--- a/trunk/pages/backbone/新增 Microsoft PowerPoint 簡報.pptx
+++ b/trunk/pages/backbone/新增 Microsoft PowerPoint 簡報.pptx
@@ -3144,8 +3144,29 @@
           <a:lstStyle/>
           <a:p>
             <a:r>
+              <a:rPr lang="en-US" altLang="zh-TW" dirty="0">
+                <a:hlinkClick r:id="rId2"/>
+              </a:rPr>
+              <a:t>http://documentcloud.github.com/backbone</a:t>
+            </a:r>
+            <a:r>
+              <a:rPr lang="en-US" altLang="zh-TW" dirty="0" smtClean="0">
+                <a:hlinkClick r:id="rId2"/>
+              </a:rPr>
+              <a:t>/</a:t>
+            </a:r>
+            <a:endParaRPr lang="en-US" altLang="zh-TW" dirty="0" smtClean="0"/>
+          </a:p>
+          <a:p>
+            <a:endParaRPr lang="en-US" altLang="zh-TW" dirty="0"/>
+          </a:p>
+          <a:p>
+            <a:endParaRPr lang="en-US" altLang="zh-TW" dirty="0" smtClean="0"/>
+          </a:p>
+          <a:p>
+            <a:r>
               <a:rPr lang="en-US" altLang="zh-TW" dirty="0"/>
-              <a:t>http://documentcloud.github.com/backbone/</a:t>
+              <a:t>http://www.youtube.com/watch?v=OQlAiOOsvcs</a:t>
             </a:r>
             <a:endParaRPr lang="zh-TW" altLang="en-US" dirty="0"/>
           </a:p>
@@ -3215,7 +3236,7 @@
           <a:bodyPr/>
           <a:lstStyle/>
           <a:p>
-            <a:endParaRPr lang="zh-TW" altLang="en-US"/>
+            <a:endParaRPr lang="zh-TW" altLang="en-US" dirty="0"/>
           </a:p>
         </p:txBody>
       </p:sp>

--- a/trunk/pages/backbone/新增 Microsoft PowerPoint 簡報.pptx
+++ b/trunk/pages/backbone/新增 Microsoft PowerPoint 簡報.pptx
@@ -8,6 +8,12 @@
     <p:sldId id="256" r:id="rId2"/>
     <p:sldId id="257" r:id="rId3"/>
     <p:sldId id="258" r:id="rId4"/>
+    <p:sldId id="259" r:id="rId5"/>
+    <p:sldId id="260" r:id="rId6"/>
+    <p:sldId id="261" r:id="rId7"/>
+    <p:sldId id="262" r:id="rId8"/>
+    <p:sldId id="263" r:id="rId9"/>
+    <p:sldId id="264" r:id="rId10"/>
   </p:sldIdLst>
   <p:sldSz cx="9144000" cy="6858000" type="screen4x3"/>
   <p:notesSz cx="6858000" cy="9144000"/>
@@ -3158,7 +3164,10 @@
             <a:endParaRPr lang="en-US" altLang="zh-TW" dirty="0" smtClean="0"/>
           </a:p>
           <a:p>
-            <a:endParaRPr lang="en-US" altLang="zh-TW" dirty="0"/>
+            <a:r>
+              <a:rPr lang="en-US" altLang="zh-TW" dirty="0"/>
+              <a:t>http://documentcloud.github.com/backbone/#Router</a:t>
+            </a:r>
           </a:p>
           <a:p>
             <a:endParaRPr lang="en-US" altLang="zh-TW" dirty="0" smtClean="0"/>
@@ -3236,6 +3245,47 @@
           <a:bodyPr/>
           <a:lstStyle/>
           <a:p>
+            <a:r>
+              <a:rPr lang="zh-TW" altLang="en-US" dirty="0" smtClean="0"/>
+              <a:t>輕巧 </a:t>
+            </a:r>
+            <a:r>
+              <a:rPr lang="en-US" altLang="zh-TW" dirty="0" smtClean="0"/>
+              <a:t>5.6kb</a:t>
+            </a:r>
+          </a:p>
+          <a:p>
+            <a:r>
+              <a:rPr lang="zh-TW" altLang="en-US" dirty="0" smtClean="0"/>
+              <a:t>靈活 不需用到所有</a:t>
+            </a:r>
+            <a:r>
+              <a:rPr lang="en-US" altLang="zh-TW" dirty="0" smtClean="0"/>
+              <a:t>Backbone</a:t>
+            </a:r>
+            <a:r>
+              <a:rPr lang="zh-TW" altLang="en-US" dirty="0" smtClean="0"/>
+              <a:t>類別</a:t>
+            </a:r>
+            <a:endParaRPr lang="en-US" altLang="zh-TW" dirty="0" smtClean="0"/>
+          </a:p>
+          <a:p>
+            <a:r>
+              <a:rPr lang="zh-TW" altLang="en-US" dirty="0" smtClean="0"/>
+              <a:t>學習容易 會</a:t>
+            </a:r>
+            <a:r>
+              <a:rPr lang="en-US" altLang="zh-TW" dirty="0" err="1" smtClean="0"/>
+              <a:t>jQuery</a:t>
+            </a:r>
+            <a:r>
+              <a:rPr lang="en-US" altLang="zh-TW" dirty="0" smtClean="0"/>
+              <a:t> </a:t>
+            </a:r>
+            <a:r>
+              <a:rPr lang="zh-TW" altLang="en-US" dirty="0" smtClean="0"/>
+              <a:t>就行了</a:t>
+            </a:r>
             <a:endParaRPr lang="zh-TW" altLang="en-US" dirty="0"/>
           </a:p>
         </p:txBody>
@@ -3244,6 +3294,862 @@
     <p:extLst>
       <p:ext uri="{BB962C8B-B14F-4D97-AF65-F5344CB8AC3E}">
         <p14:creationId xmlns:p14="http://schemas.microsoft.com/office/powerpoint/2010/main" val="2835262613"/>
+      </p:ext>
+    </p:extLst>
+  </p:cSld>
+  <p:clrMapOvr>
+    <a:masterClrMapping/>
+  </p:clrMapOvr>
+</p:sld>
+</file>
+
+<file path=ppt/slides/slide4.xml><?xml version="1.0" encoding="utf-8"?>
+<p:sld xmlns:a="http://schemas.openxmlformats.org/drawingml/2006/main" xmlns:r="http://schemas.openxmlformats.org/officeDocument/2006/relationships" xmlns:p="http://schemas.openxmlformats.org/presentationml/2006/main">
+  <p:cSld>
+    <p:spTree>
+      <p:nvGrpSpPr>
+        <p:cNvPr id="1" name=""/>
+        <p:cNvGrpSpPr/>
+        <p:nvPr/>
+      </p:nvGrpSpPr>
+      <p:grpSpPr>
+        <a:xfrm>
+          <a:off x="0" y="0"/>
+          <a:ext cx="0" cy="0"/>
+          <a:chOff x="0" y="0"/>
+          <a:chExt cx="0" cy="0"/>
+        </a:xfrm>
+      </p:grpSpPr>
+      <p:sp>
+        <p:nvSpPr>
+          <p:cNvPr id="2" name="標題 1"/>
+          <p:cNvSpPr>
+            <a:spLocks noGrp="1"/>
+          </p:cNvSpPr>
+          <p:nvPr>
+            <p:ph type="title"/>
+          </p:nvPr>
+        </p:nvSpPr>
+        <p:spPr/>
+        <p:txBody>
+          <a:bodyPr/>
+          <a:lstStyle/>
+          <a:p>
+            <a:r>
+              <a:rPr lang="zh-TW" altLang="en-US" dirty="0" smtClean="0"/>
+              <a:t>類別行為</a:t>
+            </a:r>
+            <a:r>
+              <a:rPr lang="en-US" altLang="zh-TW" dirty="0" smtClean="0"/>
+              <a:t>	</a:t>
+            </a:r>
+            <a:endParaRPr lang="zh-TW" altLang="en-US" dirty="0"/>
+          </a:p>
+        </p:txBody>
+      </p:sp>
+      <p:sp>
+        <p:nvSpPr>
+          <p:cNvPr id="3" name="內容版面配置區 2"/>
+          <p:cNvSpPr>
+            <a:spLocks noGrp="1"/>
+          </p:cNvSpPr>
+          <p:nvPr>
+            <p:ph idx="1"/>
+          </p:nvPr>
+        </p:nvSpPr>
+        <p:spPr/>
+        <p:txBody>
+          <a:bodyPr/>
+          <a:lstStyle/>
+          <a:p>
+            <a:r>
+              <a:rPr lang="en-US" altLang="zh-TW" dirty="0" smtClean="0"/>
+              <a:t>Event – </a:t>
+            </a:r>
+            <a:r>
+              <a:rPr lang="zh-TW" altLang="en-US" dirty="0" smtClean="0"/>
+              <a:t>讓非</a:t>
+            </a:r>
+            <a:r>
+              <a:rPr lang="en-US" altLang="zh-TW" dirty="0" smtClean="0"/>
+              <a:t>DOM </a:t>
+            </a:r>
+            <a:r>
+              <a:rPr lang="zh-TW" altLang="en-US" dirty="0" smtClean="0"/>
+              <a:t>物件也能有自訂事件</a:t>
+            </a:r>
+            <a:endParaRPr lang="en-US" altLang="zh-TW" dirty="0" smtClean="0"/>
+          </a:p>
+          <a:p>
+            <a:r>
+              <a:rPr lang="en-US" altLang="zh-TW" dirty="0" smtClean="0"/>
+              <a:t>Model – </a:t>
+            </a:r>
+            <a:r>
+              <a:rPr lang="zh-TW" altLang="en-US" dirty="0" smtClean="0"/>
+              <a:t>存取</a:t>
+            </a:r>
+            <a:r>
+              <a:rPr lang="en-US" altLang="zh-TW" dirty="0" smtClean="0"/>
+              <a:t>Data</a:t>
+            </a:r>
+            <a:r>
+              <a:rPr lang="zh-TW" altLang="en-US" dirty="0" smtClean="0"/>
+              <a:t>，可用</a:t>
+            </a:r>
+            <a:r>
+              <a:rPr lang="en-US" altLang="zh-TW" dirty="0" smtClean="0"/>
+              <a:t>Ajax</a:t>
+            </a:r>
+            <a:r>
+              <a:rPr lang="zh-TW" altLang="en-US" dirty="0" smtClean="0"/>
+              <a:t>或</a:t>
+            </a:r>
+            <a:r>
+              <a:rPr lang="en-US" altLang="zh-TW" dirty="0" err="1" smtClean="0"/>
+              <a:t>LocalStorage</a:t>
+            </a:r>
+            <a:endParaRPr lang="en-US" altLang="zh-TW" dirty="0" smtClean="0"/>
+          </a:p>
+          <a:p>
+            <a:r>
+              <a:rPr lang="en-US" altLang="zh-TW" dirty="0" smtClean="0"/>
+              <a:t>Collection – Model</a:t>
+            </a:r>
+            <a:r>
+              <a:rPr lang="zh-TW" altLang="en-US" dirty="0" smtClean="0"/>
+              <a:t>的集合</a:t>
+            </a:r>
+            <a:endParaRPr lang="en-US" altLang="zh-TW" dirty="0" smtClean="0"/>
+          </a:p>
+          <a:p>
+            <a:r>
+              <a:rPr lang="en-US" altLang="zh-TW" dirty="0" smtClean="0"/>
+              <a:t>View – </a:t>
+            </a:r>
+            <a:r>
+              <a:rPr lang="zh-TW" altLang="en-US" dirty="0" smtClean="0"/>
+              <a:t>接收輸入或更新</a:t>
+            </a:r>
+            <a:r>
+              <a:rPr lang="en-US" altLang="zh-TW" dirty="0" smtClean="0"/>
+              <a:t>UI</a:t>
+            </a:r>
+          </a:p>
+          <a:p>
+            <a:r>
+              <a:rPr lang="en-US" altLang="zh-TW" dirty="0" smtClean="0"/>
+              <a:t>Router – </a:t>
+            </a:r>
+            <a:r>
+              <a:rPr lang="zh-TW" altLang="en-US" dirty="0" smtClean="0"/>
+              <a:t>控制網址，並處理</a:t>
+            </a:r>
+            <a:r>
+              <a:rPr lang="en-US" altLang="zh-TW" dirty="0" smtClean="0"/>
+              <a:t>Model</a:t>
+            </a:r>
+            <a:r>
+              <a:rPr lang="zh-TW" altLang="en-US" dirty="0" smtClean="0"/>
+              <a:t>與</a:t>
+            </a:r>
+            <a:r>
+              <a:rPr lang="en-US" altLang="zh-TW" dirty="0" smtClean="0"/>
+              <a:t>View</a:t>
+            </a:r>
+            <a:r>
+              <a:rPr lang="zh-TW" altLang="en-US" dirty="0" smtClean="0"/>
+              <a:t>的互動</a:t>
+            </a:r>
+            <a:endParaRPr lang="zh-TW" altLang="en-US" dirty="0"/>
+          </a:p>
+        </p:txBody>
+      </p:sp>
+    </p:spTree>
+    <p:extLst>
+      <p:ext uri="{BB962C8B-B14F-4D97-AF65-F5344CB8AC3E}">
+        <p14:creationId xmlns:p14="http://schemas.microsoft.com/office/powerpoint/2010/main" val="3842338714"/>
+      </p:ext>
+    </p:extLst>
+  </p:cSld>
+  <p:clrMapOvr>
+    <a:masterClrMapping/>
+  </p:clrMapOvr>
+</p:sld>
+</file>
+
+<file path=ppt/slides/slide5.xml><?xml version="1.0" encoding="utf-8"?>
+<p:sld xmlns:a="http://schemas.openxmlformats.org/drawingml/2006/main" xmlns:r="http://schemas.openxmlformats.org/officeDocument/2006/relationships" xmlns:p="http://schemas.openxmlformats.org/presentationml/2006/main">
+  <p:cSld>
+    <p:spTree>
+      <p:nvGrpSpPr>
+        <p:cNvPr id="1" name=""/>
+        <p:cNvGrpSpPr/>
+        <p:nvPr/>
+      </p:nvGrpSpPr>
+      <p:grpSpPr>
+        <a:xfrm>
+          <a:off x="0" y="0"/>
+          <a:ext cx="0" cy="0"/>
+          <a:chOff x="0" y="0"/>
+          <a:chExt cx="0" cy="0"/>
+        </a:xfrm>
+      </p:grpSpPr>
+      <p:sp>
+        <p:nvSpPr>
+          <p:cNvPr id="2" name="標題 1"/>
+          <p:cNvSpPr>
+            <a:spLocks noGrp="1"/>
+          </p:cNvSpPr>
+          <p:nvPr>
+            <p:ph type="title"/>
+          </p:nvPr>
+        </p:nvSpPr>
+        <p:spPr/>
+        <p:txBody>
+          <a:bodyPr/>
+          <a:lstStyle/>
+          <a:p>
+            <a:r>
+              <a:rPr lang="zh-TW" altLang="en-US" dirty="0" smtClean="0"/>
+              <a:t>上路</a:t>
+            </a:r>
+            <a:endParaRPr lang="zh-TW" altLang="en-US" dirty="0"/>
+          </a:p>
+        </p:txBody>
+      </p:sp>
+      <p:sp>
+        <p:nvSpPr>
+          <p:cNvPr id="3" name="內容版面配置區 2"/>
+          <p:cNvSpPr>
+            <a:spLocks noGrp="1"/>
+          </p:cNvSpPr>
+          <p:nvPr>
+            <p:ph idx="1"/>
+          </p:nvPr>
+        </p:nvSpPr>
+        <p:spPr/>
+        <p:txBody>
+          <a:bodyPr/>
+          <a:lstStyle/>
+          <a:p>
+            <a:r>
+              <a:rPr lang="zh-TW" altLang="en-US" dirty="0" smtClean="0"/>
+              <a:t>載入</a:t>
+            </a:r>
+            <a:r>
+              <a:rPr lang="en-US" altLang="zh-TW" dirty="0" smtClean="0"/>
+              <a:t>underscore.js</a:t>
+            </a:r>
+          </a:p>
+          <a:p>
+            <a:r>
+              <a:rPr lang="zh-TW" altLang="en-US" dirty="0" smtClean="0"/>
+              <a:t>可以只用</a:t>
+            </a:r>
+            <a:r>
+              <a:rPr lang="en-US" altLang="zh-TW" dirty="0" smtClean="0"/>
+              <a:t>Event, Model</a:t>
+            </a:r>
+            <a:r>
+              <a:rPr lang="zh-TW" altLang="en-US" dirty="0" smtClean="0"/>
+              <a:t>或</a:t>
+            </a:r>
+            <a:r>
+              <a:rPr lang="en-US" altLang="zh-TW" dirty="0" smtClean="0"/>
+              <a:t>View</a:t>
+            </a:r>
+          </a:p>
+          <a:p>
+            <a:r>
+              <a:rPr lang="zh-TW" altLang="en-US" dirty="0" smtClean="0"/>
+              <a:t>使用</a:t>
+            </a:r>
+            <a:r>
+              <a:rPr lang="en-US" altLang="zh-TW" dirty="0" smtClean="0"/>
+              <a:t>View</a:t>
+            </a:r>
+            <a:r>
+              <a:rPr lang="zh-TW" altLang="en-US" dirty="0" smtClean="0"/>
+              <a:t>，需搭配</a:t>
+            </a:r>
+            <a:r>
+              <a:rPr lang="en-US" altLang="zh-TW" dirty="0" smtClean="0"/>
+              <a:t>Dom Library</a:t>
+            </a:r>
+          </a:p>
+          <a:p>
+            <a:r>
+              <a:rPr lang="zh-TW" altLang="en-US" dirty="0" smtClean="0"/>
+              <a:t>資料同步不一定要用到</a:t>
+            </a:r>
+            <a:r>
+              <a:rPr lang="en-US" altLang="zh-TW" dirty="0" smtClean="0"/>
+              <a:t>Database</a:t>
+            </a:r>
+            <a:endParaRPr lang="zh-TW" altLang="en-US" dirty="0"/>
+          </a:p>
+        </p:txBody>
+      </p:sp>
+    </p:spTree>
+    <p:extLst>
+      <p:ext uri="{BB962C8B-B14F-4D97-AF65-F5344CB8AC3E}">
+        <p14:creationId xmlns:p14="http://schemas.microsoft.com/office/powerpoint/2010/main" val="1110622583"/>
+      </p:ext>
+    </p:extLst>
+  </p:cSld>
+  <p:clrMapOvr>
+    <a:masterClrMapping/>
+  </p:clrMapOvr>
+</p:sld>
+</file>
+
+<file path=ppt/slides/slide6.xml><?xml version="1.0" encoding="utf-8"?>
+<p:sld xmlns:a="http://schemas.openxmlformats.org/drawingml/2006/main" xmlns:r="http://schemas.openxmlformats.org/officeDocument/2006/relationships" xmlns:p="http://schemas.openxmlformats.org/presentationml/2006/main">
+  <p:cSld>
+    <p:spTree>
+      <p:nvGrpSpPr>
+        <p:cNvPr id="1" name=""/>
+        <p:cNvGrpSpPr/>
+        <p:nvPr/>
+      </p:nvGrpSpPr>
+      <p:grpSpPr>
+        <a:xfrm>
+          <a:off x="0" y="0"/>
+          <a:ext cx="0" cy="0"/>
+          <a:chOff x="0" y="0"/>
+          <a:chExt cx="0" cy="0"/>
+        </a:xfrm>
+      </p:grpSpPr>
+      <p:sp>
+        <p:nvSpPr>
+          <p:cNvPr id="2" name="標題 1"/>
+          <p:cNvSpPr>
+            <a:spLocks noGrp="1"/>
+          </p:cNvSpPr>
+          <p:nvPr>
+            <p:ph type="title"/>
+          </p:nvPr>
+        </p:nvSpPr>
+        <p:spPr/>
+        <p:txBody>
+          <a:bodyPr/>
+          <a:lstStyle/>
+          <a:p>
+            <a:r>
+              <a:rPr lang="zh-TW" altLang="en-US" dirty="0" smtClean="0"/>
+              <a:t>基本流程</a:t>
+            </a:r>
+            <a:r>
+              <a:rPr lang="en-US" altLang="zh-TW" dirty="0" smtClean="0"/>
+              <a:t>	</a:t>
+            </a:r>
+            <a:endParaRPr lang="zh-TW" altLang="en-US" dirty="0"/>
+          </a:p>
+        </p:txBody>
+      </p:sp>
+      <p:sp>
+        <p:nvSpPr>
+          <p:cNvPr id="3" name="內容版面配置區 2"/>
+          <p:cNvSpPr>
+            <a:spLocks noGrp="1"/>
+          </p:cNvSpPr>
+          <p:nvPr>
+            <p:ph idx="1"/>
+          </p:nvPr>
+        </p:nvSpPr>
+        <p:spPr/>
+        <p:txBody>
+          <a:bodyPr/>
+          <a:lstStyle/>
+          <a:p>
+            <a:r>
+              <a:rPr lang="zh-TW" altLang="en-US" dirty="0" smtClean="0"/>
+              <a:t>定義</a:t>
+            </a:r>
+            <a:r>
+              <a:rPr lang="en-US" altLang="zh-TW" dirty="0" err="1" smtClean="0"/>
+              <a:t>ui</a:t>
+            </a:r>
+            <a:r>
+              <a:rPr lang="zh-TW" altLang="en-US" dirty="0" smtClean="0"/>
+              <a:t>及</a:t>
+            </a:r>
+            <a:r>
+              <a:rPr lang="en-US" altLang="zh-TW" dirty="0" smtClean="0"/>
+              <a:t>Template</a:t>
+            </a:r>
+          </a:p>
+          <a:p>
+            <a:r>
+              <a:rPr lang="zh-TW" altLang="en-US" dirty="0" smtClean="0"/>
+              <a:t>定義</a:t>
+            </a:r>
+            <a:r>
+              <a:rPr lang="en-US" altLang="zh-TW" dirty="0" smtClean="0"/>
+              <a:t>view</a:t>
+            </a:r>
+            <a:r>
+              <a:rPr lang="zh-TW" altLang="en-US" dirty="0" smtClean="0"/>
+              <a:t>及事件</a:t>
+            </a:r>
+            <a:endParaRPr lang="en-US" altLang="zh-TW" dirty="0" smtClean="0"/>
+          </a:p>
+          <a:p>
+            <a:r>
+              <a:rPr lang="zh-TW" altLang="en-US" dirty="0" smtClean="0"/>
+              <a:t>定義</a:t>
+            </a:r>
+            <a:r>
+              <a:rPr lang="en-US" altLang="zh-TW" dirty="0" smtClean="0"/>
+              <a:t>Model (Collection)</a:t>
+            </a:r>
+            <a:endParaRPr lang="en-US" altLang="zh-TW" dirty="0"/>
+          </a:p>
+          <a:p>
+            <a:r>
+              <a:rPr lang="zh-TW" altLang="en-US" dirty="0" smtClean="0"/>
+              <a:t>定義</a:t>
+            </a:r>
+            <a:r>
+              <a:rPr lang="en-US" altLang="zh-TW" dirty="0" smtClean="0"/>
+              <a:t>App Router</a:t>
+            </a:r>
+          </a:p>
+          <a:p>
+            <a:r>
+              <a:rPr lang="zh-TW" altLang="en-US" dirty="0" smtClean="0"/>
+              <a:t>整合所有類別</a:t>
+            </a:r>
+            <a:endParaRPr lang="en-US" altLang="zh-TW" dirty="0" smtClean="0"/>
+          </a:p>
+          <a:p>
+            <a:r>
+              <a:rPr lang="zh-TW" altLang="en-US" dirty="0" smtClean="0"/>
+              <a:t>執行程</a:t>
+            </a:r>
+            <a:r>
+              <a:rPr lang="zh-TW" altLang="en-US" dirty="0"/>
+              <a:t>式</a:t>
+            </a:r>
+          </a:p>
+        </p:txBody>
+      </p:sp>
+    </p:spTree>
+    <p:extLst>
+      <p:ext uri="{BB962C8B-B14F-4D97-AF65-F5344CB8AC3E}">
+        <p14:creationId xmlns:p14="http://schemas.microsoft.com/office/powerpoint/2010/main" val="3551707254"/>
+      </p:ext>
+    </p:extLst>
+  </p:cSld>
+  <p:clrMapOvr>
+    <a:masterClrMapping/>
+  </p:clrMapOvr>
+</p:sld>
+</file>
+
+<file path=ppt/slides/slide7.xml><?xml version="1.0" encoding="utf-8"?>
+<p:sld xmlns:a="http://schemas.openxmlformats.org/drawingml/2006/main" xmlns:r="http://schemas.openxmlformats.org/officeDocument/2006/relationships" xmlns:p="http://schemas.openxmlformats.org/presentationml/2006/main">
+  <p:cSld>
+    <p:spTree>
+      <p:nvGrpSpPr>
+        <p:cNvPr id="1" name=""/>
+        <p:cNvGrpSpPr/>
+        <p:nvPr/>
+      </p:nvGrpSpPr>
+      <p:grpSpPr>
+        <a:xfrm>
+          <a:off x="0" y="0"/>
+          <a:ext cx="0" cy="0"/>
+          <a:chOff x="0" y="0"/>
+          <a:chExt cx="0" cy="0"/>
+        </a:xfrm>
+      </p:grpSpPr>
+      <p:sp>
+        <p:nvSpPr>
+          <p:cNvPr id="2" name="標題 1"/>
+          <p:cNvSpPr>
+            <a:spLocks noGrp="1"/>
+          </p:cNvSpPr>
+          <p:nvPr>
+            <p:ph type="title"/>
+          </p:nvPr>
+        </p:nvSpPr>
+        <p:spPr/>
+        <p:txBody>
+          <a:bodyPr/>
+          <a:lstStyle/>
+          <a:p>
+            <a:r>
+              <a:rPr lang="zh-TW" altLang="en-US" dirty="0" smtClean="0"/>
+              <a:t>程式碼 基本形式 </a:t>
+            </a:r>
+            <a:r>
+              <a:rPr lang="en-US" altLang="zh-TW" dirty="0" smtClean="0"/>
+              <a:t>(index.html)</a:t>
+            </a:r>
+            <a:endParaRPr lang="zh-TW" altLang="en-US" dirty="0"/>
+          </a:p>
+        </p:txBody>
+      </p:sp>
+      <p:sp>
+        <p:nvSpPr>
+          <p:cNvPr id="3" name="內容版面配置區 2"/>
+          <p:cNvSpPr>
+            <a:spLocks noGrp="1"/>
+          </p:cNvSpPr>
+          <p:nvPr>
+            <p:ph idx="1"/>
+          </p:nvPr>
+        </p:nvSpPr>
+        <p:spPr/>
+        <p:txBody>
+          <a:bodyPr>
+            <a:normAutofit fontScale="47500" lnSpcReduction="20000"/>
+          </a:bodyPr>
+          <a:lstStyle/>
+          <a:p>
+            <a:r>
+              <a:rPr lang="en-US" altLang="zh-TW" dirty="0"/>
+              <a:t>&lt;!DOCTYPE html&gt;</a:t>
+            </a:r>
+          </a:p>
+          <a:p>
+            <a:r>
+              <a:rPr lang="en-US" altLang="zh-TW" dirty="0"/>
+              <a:t>&lt;html&gt;</a:t>
+            </a:r>
+          </a:p>
+          <a:p>
+            <a:r>
+              <a:rPr lang="en-US" altLang="zh-TW" dirty="0"/>
+              <a:t>&lt;head&gt;</a:t>
+            </a:r>
+          </a:p>
+          <a:p>
+            <a:r>
+              <a:rPr lang="en-US" altLang="zh-TW" dirty="0" smtClean="0"/>
+              <a:t>…</a:t>
+            </a:r>
+            <a:endParaRPr lang="en-US" altLang="zh-TW" dirty="0"/>
+          </a:p>
+          <a:p>
+            <a:r>
+              <a:rPr lang="en-US" altLang="zh-TW" dirty="0"/>
+              <a:t>&lt;/head&gt;</a:t>
+            </a:r>
+          </a:p>
+          <a:p>
+            <a:r>
+              <a:rPr lang="en-US" altLang="zh-TW" dirty="0" smtClean="0"/>
+              <a:t>&lt;</a:t>
+            </a:r>
+            <a:r>
+              <a:rPr lang="en-US" altLang="zh-TW" dirty="0"/>
+              <a:t>body&gt;</a:t>
+            </a:r>
+          </a:p>
+          <a:p>
+            <a:r>
+              <a:rPr lang="en-US" altLang="zh-TW" dirty="0" smtClean="0"/>
+              <a:t> &lt;script type=“text/template” id=“view-</a:t>
+            </a:r>
+            <a:r>
+              <a:rPr lang="en-US" altLang="zh-TW" dirty="0" err="1" smtClean="0"/>
+              <a:t>templage</a:t>
+            </a:r>
+            <a:r>
+              <a:rPr lang="en-US" altLang="zh-TW" dirty="0" smtClean="0"/>
+              <a:t>”&gt;</a:t>
+            </a:r>
+          </a:p>
+          <a:p>
+            <a:r>
+              <a:rPr lang="en-US" altLang="zh-TW" dirty="0" smtClean="0"/>
+              <a:t>  …</a:t>
+            </a:r>
+            <a:endParaRPr lang="en-US" altLang="zh-TW" dirty="0"/>
+          </a:p>
+          <a:p>
+            <a:r>
+              <a:rPr lang="en-US" altLang="zh-TW" dirty="0" smtClean="0"/>
+              <a:t>&lt;/</a:t>
+            </a:r>
+            <a:r>
+              <a:rPr lang="en-US" altLang="zh-TW" dirty="0"/>
+              <a:t>script&gt;</a:t>
+            </a:r>
+          </a:p>
+          <a:p>
+            <a:r>
+              <a:rPr lang="en-US" altLang="zh-TW" dirty="0"/>
+              <a:t>    &lt;script </a:t>
+            </a:r>
+            <a:r>
+              <a:rPr lang="en-US" altLang="zh-TW" dirty="0" err="1"/>
+              <a:t>src</a:t>
+            </a:r>
+            <a:r>
+              <a:rPr lang="en-US" altLang="zh-TW" dirty="0"/>
+              <a:t>="jquery-1.7.2.min.js"&gt;&lt;/script&gt;</a:t>
+            </a:r>
+          </a:p>
+          <a:p>
+            <a:r>
+              <a:rPr lang="en-US" altLang="zh-TW" dirty="0"/>
+              <a:t>    &lt;script </a:t>
+            </a:r>
+            <a:r>
+              <a:rPr lang="en-US" altLang="zh-TW" dirty="0" err="1"/>
+              <a:t>src</a:t>
+            </a:r>
+            <a:r>
+              <a:rPr lang="en-US" altLang="zh-TW" dirty="0"/>
+              <a:t>="underscore-1.3.1.js"&gt;&lt;/script&gt;</a:t>
+            </a:r>
+          </a:p>
+          <a:p>
+            <a:r>
+              <a:rPr lang="en-US" altLang="zh-TW" dirty="0"/>
+              <a:t>    &lt;script </a:t>
+            </a:r>
+            <a:r>
+              <a:rPr lang="en-US" altLang="zh-TW" dirty="0" err="1"/>
+              <a:t>src</a:t>
+            </a:r>
+            <a:r>
+              <a:rPr lang="en-US" altLang="zh-TW" dirty="0"/>
+              <a:t>="backbone.js"&gt;&lt;/script&gt;</a:t>
+            </a:r>
+          </a:p>
+          <a:p>
+            <a:r>
+              <a:rPr lang="en-US" altLang="zh-TW" dirty="0"/>
+              <a:t> </a:t>
+            </a:r>
+            <a:r>
+              <a:rPr lang="en-US" altLang="zh-TW" dirty="0" smtClean="0"/>
+              <a:t>   &lt;</a:t>
+            </a:r>
+            <a:r>
+              <a:rPr lang="en-US" altLang="zh-TW" dirty="0"/>
+              <a:t>script </a:t>
+            </a:r>
+            <a:r>
+              <a:rPr lang="en-US" altLang="zh-TW" dirty="0" err="1"/>
+              <a:t>src</a:t>
+            </a:r>
+            <a:r>
+              <a:rPr lang="en-US" altLang="zh-TW" dirty="0"/>
+              <a:t>="</a:t>
+            </a:r>
+            <a:r>
+              <a:rPr lang="en-US" altLang="zh-TW" dirty="0" smtClean="0"/>
+              <a:t>backbone.localstorage.js</a:t>
+            </a:r>
+            <a:r>
+              <a:rPr lang="en-US" altLang="zh-TW" dirty="0"/>
+              <a:t>"&gt;&lt;/script&gt;</a:t>
+            </a:r>
+          </a:p>
+          <a:p>
+            <a:r>
+              <a:rPr lang="en-US" altLang="zh-TW" dirty="0"/>
+              <a:t> &lt;script</a:t>
+            </a:r>
+            <a:r>
+              <a:rPr lang="en-US" altLang="zh-TW" dirty="0" smtClean="0"/>
+              <a:t>&gt;</a:t>
+            </a:r>
+          </a:p>
+          <a:p>
+            <a:r>
+              <a:rPr lang="en-US" altLang="zh-TW" dirty="0" smtClean="0"/>
+              <a:t>…</a:t>
+            </a:r>
+            <a:endParaRPr lang="en-US" altLang="zh-TW" dirty="0"/>
+          </a:p>
+          <a:p>
+            <a:r>
+              <a:rPr lang="en-US" altLang="zh-TW" dirty="0" smtClean="0"/>
+              <a:t>&lt;/</a:t>
+            </a:r>
+            <a:r>
+              <a:rPr lang="en-US" altLang="zh-TW" dirty="0"/>
+              <a:t>script&gt;</a:t>
+            </a:r>
+            <a:endParaRPr lang="en-US" altLang="zh-TW" dirty="0" smtClean="0"/>
+          </a:p>
+          <a:p>
+            <a:endParaRPr lang="en-US" altLang="zh-TW" dirty="0"/>
+          </a:p>
+          <a:p>
+            <a:r>
+              <a:rPr lang="en-US" altLang="zh-TW" dirty="0"/>
+              <a:t>&lt;/body&gt;</a:t>
+            </a:r>
+          </a:p>
+          <a:p>
+            <a:r>
+              <a:rPr lang="en-US" altLang="zh-TW" dirty="0"/>
+              <a:t>&lt;/html&gt;</a:t>
+            </a:r>
+            <a:endParaRPr lang="zh-TW" altLang="en-US" dirty="0"/>
+          </a:p>
+        </p:txBody>
+      </p:sp>
+    </p:spTree>
+    <p:extLst>
+      <p:ext uri="{BB962C8B-B14F-4D97-AF65-F5344CB8AC3E}">
+        <p14:creationId xmlns:p14="http://schemas.microsoft.com/office/powerpoint/2010/main" val="3506393788"/>
+      </p:ext>
+    </p:extLst>
+  </p:cSld>
+  <p:clrMapOvr>
+    <a:masterClrMapping/>
+  </p:clrMapOvr>
+</p:sld>
+</file>
+
+<file path=ppt/slides/slide8.xml><?xml version="1.0" encoding="utf-8"?>
+<p:sld xmlns:a="http://schemas.openxmlformats.org/drawingml/2006/main" xmlns:r="http://schemas.openxmlformats.org/officeDocument/2006/relationships" xmlns:p="http://schemas.openxmlformats.org/presentationml/2006/main">
+  <p:cSld>
+    <p:spTree>
+      <p:nvGrpSpPr>
+        <p:cNvPr id="1" name=""/>
+        <p:cNvGrpSpPr/>
+        <p:nvPr/>
+      </p:nvGrpSpPr>
+      <p:grpSpPr>
+        <a:xfrm>
+          <a:off x="0" y="0"/>
+          <a:ext cx="0" cy="0"/>
+          <a:chOff x="0" y="0"/>
+          <a:chExt cx="0" cy="0"/>
+        </a:xfrm>
+      </p:grpSpPr>
+      <p:sp>
+        <p:nvSpPr>
+          <p:cNvPr id="2" name="標題 1"/>
+          <p:cNvSpPr>
+            <a:spLocks noGrp="1"/>
+          </p:cNvSpPr>
+          <p:nvPr>
+            <p:ph type="title"/>
+          </p:nvPr>
+        </p:nvSpPr>
+        <p:spPr/>
+        <p:txBody>
+          <a:bodyPr/>
+          <a:lstStyle/>
+          <a:p>
+            <a:r>
+              <a:rPr lang="en-US" altLang="zh-TW" dirty="0" smtClean="0"/>
+              <a:t>Router (</a:t>
+            </a:r>
+            <a:r>
+              <a:rPr lang="en-US" altLang="zh-TW" dirty="0" err="1" smtClean="0"/>
+              <a:t>js</a:t>
+            </a:r>
+            <a:r>
+              <a:rPr lang="en-US" altLang="zh-TW" dirty="0" smtClean="0"/>
+              <a:t>/app.js)</a:t>
+            </a:r>
+            <a:endParaRPr lang="zh-TW" altLang="en-US" dirty="0"/>
+          </a:p>
+        </p:txBody>
+      </p:sp>
+      <p:sp>
+        <p:nvSpPr>
+          <p:cNvPr id="3" name="內容版面配置區 2"/>
+          <p:cNvSpPr>
+            <a:spLocks noGrp="1"/>
+          </p:cNvSpPr>
+          <p:nvPr>
+            <p:ph idx="1"/>
+          </p:nvPr>
+        </p:nvSpPr>
+        <p:spPr/>
+        <p:txBody>
+          <a:bodyPr/>
+          <a:lstStyle/>
+          <a:p>
+            <a:endParaRPr lang="zh-TW" altLang="en-US" dirty="0"/>
+          </a:p>
+        </p:txBody>
+      </p:sp>
+    </p:spTree>
+    <p:extLst>
+      <p:ext uri="{BB962C8B-B14F-4D97-AF65-F5344CB8AC3E}">
+        <p14:creationId xmlns:p14="http://schemas.microsoft.com/office/powerpoint/2010/main" val="1530020620"/>
+      </p:ext>
+    </p:extLst>
+  </p:cSld>
+  <p:clrMapOvr>
+    <a:masterClrMapping/>
+  </p:clrMapOvr>
+</p:sld>
+</file>
+
+<file path=ppt/slides/slide9.xml><?xml version="1.0" encoding="utf-8"?>
+<p:sld xmlns:a="http://schemas.openxmlformats.org/drawingml/2006/main" xmlns:r="http://schemas.openxmlformats.org/officeDocument/2006/relationships" xmlns:p="http://schemas.openxmlformats.org/presentationml/2006/main">
+  <p:cSld>
+    <p:spTree>
+      <p:nvGrpSpPr>
+        <p:cNvPr id="1" name=""/>
+        <p:cNvGrpSpPr/>
+        <p:nvPr/>
+      </p:nvGrpSpPr>
+      <p:grpSpPr>
+        <a:xfrm>
+          <a:off x="0" y="0"/>
+          <a:ext cx="0" cy="0"/>
+          <a:chOff x="0" y="0"/>
+          <a:chExt cx="0" cy="0"/>
+        </a:xfrm>
+      </p:grpSpPr>
+      <p:sp>
+        <p:nvSpPr>
+          <p:cNvPr id="2" name="標題 1"/>
+          <p:cNvSpPr>
+            <a:spLocks noGrp="1"/>
+          </p:cNvSpPr>
+          <p:nvPr>
+            <p:ph type="title"/>
+          </p:nvPr>
+        </p:nvSpPr>
+        <p:spPr/>
+        <p:txBody>
+          <a:bodyPr/>
+          <a:lstStyle/>
+          <a:p>
+            <a:endParaRPr lang="zh-TW" altLang="en-US"/>
+          </a:p>
+        </p:txBody>
+      </p:sp>
+      <p:sp>
+        <p:nvSpPr>
+          <p:cNvPr id="3" name="內容版面配置區 2"/>
+          <p:cNvSpPr>
+            <a:spLocks noGrp="1"/>
+          </p:cNvSpPr>
+          <p:nvPr>
+            <p:ph idx="1"/>
+          </p:nvPr>
+        </p:nvSpPr>
+        <p:spPr/>
+        <p:txBody>
+          <a:bodyPr/>
+          <a:lstStyle/>
+          <a:p>
+            <a:endParaRPr lang="zh-TW" altLang="en-US"/>
+          </a:p>
+        </p:txBody>
+      </p:sp>
+    </p:spTree>
+    <p:extLst>
+      <p:ext uri="{BB962C8B-B14F-4D97-AF65-F5344CB8AC3E}">
+        <p14:creationId xmlns:p14="http://schemas.microsoft.com/office/powerpoint/2010/main" val="2428472142"/>
       </p:ext>
     </p:extLst>
   </p:cSld>

--- a/trunk/pages/backbone/新增 Microsoft PowerPoint 簡報.pptx
+++ b/trunk/pages/backbone/新增 Microsoft PowerPoint 簡報.pptx
@@ -14,6 +14,9 @@
     <p:sldId id="262" r:id="rId8"/>
     <p:sldId id="263" r:id="rId9"/>
     <p:sldId id="264" r:id="rId10"/>
+    <p:sldId id="265" r:id="rId11"/>
+    <p:sldId id="266" r:id="rId12"/>
+    <p:sldId id="267" r:id="rId13"/>
   </p:sldIdLst>
   <p:sldSz cx="9144000" cy="6858000" type="screen4x3"/>
   <p:notesSz cx="6858000" cy="9144000"/>
@@ -3053,12 +3056,21 @@
             <p:ph type="ctrTitle"/>
           </p:nvPr>
         </p:nvSpPr>
-        <p:spPr/>
-        <p:txBody>
-          <a:bodyPr/>
-          <a:lstStyle/>
-          <a:p>
-            <a:endParaRPr lang="zh-TW" altLang="en-US"/>
+        <p:spPr>
+          <a:xfrm>
+            <a:off x="685800" y="2564904"/>
+            <a:ext cx="7772400" cy="1470025"/>
+          </a:xfrm>
+        </p:spPr>
+        <p:txBody>
+          <a:bodyPr/>
+          <a:lstStyle/>
+          <a:p>
+            <a:r>
+              <a:rPr lang="en-US" altLang="zh-TW" dirty="0" smtClean="0"/>
+              <a:t>Backbone  JS</a:t>
+            </a:r>
+            <a:endParaRPr lang="zh-TW" altLang="en-US" dirty="0"/>
           </a:p>
         </p:txBody>
       </p:sp>
@@ -3072,12 +3084,22 @@
             <p:ph type="subTitle" idx="1"/>
           </p:nvPr>
         </p:nvSpPr>
-        <p:spPr/>
-        <p:txBody>
-          <a:bodyPr/>
-          <a:lstStyle/>
-          <a:p>
-            <a:endParaRPr lang="zh-TW" altLang="en-US"/>
+        <p:spPr>
+          <a:xfrm>
+            <a:off x="1403648" y="4437112"/>
+            <a:ext cx="6400800" cy="1752600"/>
+          </a:xfrm>
+        </p:spPr>
+        <p:txBody>
+          <a:bodyPr/>
+          <a:lstStyle/>
+          <a:p>
+            <a:pPr algn="l"/>
+            <a:r>
+              <a:rPr lang="en-US" altLang="zh-TW" dirty="0" smtClean="0"/>
+              <a:t>Jose Chang</a:t>
+            </a:r>
+            <a:endParaRPr lang="zh-TW" altLang="en-US" dirty="0"/>
           </a:p>
         </p:txBody>
       </p:sp>
@@ -3085,6 +3107,347 @@
     <p:extLst>
       <p:ext uri="{BB962C8B-B14F-4D97-AF65-F5344CB8AC3E}">
         <p14:creationId xmlns:p14="http://schemas.microsoft.com/office/powerpoint/2010/main" val="2435627883"/>
+      </p:ext>
+    </p:extLst>
+  </p:cSld>
+  <p:clrMapOvr>
+    <a:masterClrMapping/>
+  </p:clrMapOvr>
+</p:sld>
+</file>
+
+<file path=ppt/slides/slide10.xml><?xml version="1.0" encoding="utf-8"?>
+<p:sld xmlns:a="http://schemas.openxmlformats.org/drawingml/2006/main" xmlns:r="http://schemas.openxmlformats.org/officeDocument/2006/relationships" xmlns:p="http://schemas.openxmlformats.org/presentationml/2006/main">
+  <p:cSld>
+    <p:spTree>
+      <p:nvGrpSpPr>
+        <p:cNvPr id="1" name=""/>
+        <p:cNvGrpSpPr/>
+        <p:nvPr/>
+      </p:nvGrpSpPr>
+      <p:grpSpPr>
+        <a:xfrm>
+          <a:off x="0" y="0"/>
+          <a:ext cx="0" cy="0"/>
+          <a:chOff x="0" y="0"/>
+          <a:chExt cx="0" cy="0"/>
+        </a:xfrm>
+      </p:grpSpPr>
+      <p:sp>
+        <p:nvSpPr>
+          <p:cNvPr id="2" name="標題 1"/>
+          <p:cNvSpPr>
+            <a:spLocks noGrp="1"/>
+          </p:cNvSpPr>
+          <p:nvPr>
+            <p:ph type="title"/>
+          </p:nvPr>
+        </p:nvSpPr>
+        <p:spPr/>
+        <p:txBody>
+          <a:bodyPr/>
+          <a:lstStyle/>
+          <a:p>
+            <a:r>
+              <a:rPr lang="en-US" altLang="zh-TW" dirty="0" smtClean="0"/>
+              <a:t>Model</a:t>
+            </a:r>
+            <a:endParaRPr lang="zh-TW" altLang="en-US" dirty="0"/>
+          </a:p>
+        </p:txBody>
+      </p:sp>
+      <p:sp>
+        <p:nvSpPr>
+          <p:cNvPr id="4" name="矩形 3"/>
+          <p:cNvSpPr/>
+          <p:nvPr/>
+        </p:nvSpPr>
+        <p:spPr>
+          <a:xfrm>
+            <a:off x="2286000" y="2204864"/>
+            <a:ext cx="4572000" cy="3139321"/>
+          </a:xfrm>
+          <a:prstGeom prst="rect">
+            <a:avLst/>
+          </a:prstGeom>
+        </p:spPr>
+        <p:txBody>
+          <a:bodyPr>
+            <a:spAutoFit/>
+          </a:bodyPr>
+          <a:lstStyle/>
+          <a:p>
+            <a:r>
+              <a:rPr lang="en-US" altLang="zh-TW" dirty="0" err="1"/>
+              <a:t>var</a:t>
+            </a:r>
+            <a:r>
+              <a:rPr lang="en-US" altLang="zh-TW" dirty="0"/>
+              <a:t> User = </a:t>
+            </a:r>
+            <a:r>
+              <a:rPr lang="en-US" altLang="zh-TW" dirty="0" err="1"/>
+              <a:t>Backbone.Model.extend</a:t>
+            </a:r>
+            <a:r>
+              <a:rPr lang="en-US" altLang="zh-TW" dirty="0"/>
+              <a:t>({</a:t>
+            </a:r>
+          </a:p>
+          <a:p>
+            <a:r>
+              <a:rPr lang="en-US" altLang="zh-TW" dirty="0"/>
+              <a:t>    defaults: {</a:t>
+            </a:r>
+          </a:p>
+          <a:p>
+            <a:r>
+              <a:rPr lang="en-US" altLang="zh-TW" dirty="0"/>
+              <a:t>      id: null,</a:t>
+            </a:r>
+          </a:p>
+          <a:p>
+            <a:r>
+              <a:rPr lang="en-US" altLang="zh-TW" dirty="0"/>
+              <a:t>      name: '',</a:t>
+            </a:r>
+          </a:p>
+          <a:p>
+            <a:r>
+              <a:rPr lang="en-US" altLang="zh-TW" dirty="0"/>
+              <a:t>      phone: ''</a:t>
+            </a:r>
+          </a:p>
+          <a:p>
+            <a:r>
+              <a:rPr lang="en-US" altLang="zh-TW" dirty="0"/>
+              <a:t>    </a:t>
+            </a:r>
+            <a:r>
+              <a:rPr lang="en-US" altLang="zh-TW" dirty="0" smtClean="0"/>
+              <a:t>},</a:t>
+            </a:r>
+          </a:p>
+          <a:p>
+            <a:r>
+              <a:rPr lang="en-US" altLang="zh-TW" dirty="0"/>
+              <a:t> </a:t>
+            </a:r>
+            <a:r>
+              <a:rPr lang="en-US" altLang="zh-TW" dirty="0" smtClean="0"/>
+              <a:t>   </a:t>
+            </a:r>
+            <a:r>
+              <a:rPr lang="en-US" altLang="zh-TW" dirty="0"/>
+              <a:t>validate: function(</a:t>
+            </a:r>
+            <a:r>
+              <a:rPr lang="en-US" altLang="zh-TW" dirty="0" err="1"/>
+              <a:t>attrs</a:t>
+            </a:r>
+            <a:r>
+              <a:rPr lang="en-US" altLang="zh-TW" dirty="0"/>
+              <a:t>) {</a:t>
+            </a:r>
+          </a:p>
+          <a:p>
+            <a:r>
+              <a:rPr lang="en-US" altLang="zh-TW" dirty="0"/>
+              <a:t>      if (attrs.name === '') {</a:t>
+            </a:r>
+          </a:p>
+          <a:p>
+            <a:r>
+              <a:rPr lang="en-US" altLang="zh-TW" dirty="0"/>
+              <a:t>        return "'name' cannot be empty";</a:t>
+            </a:r>
+          </a:p>
+          <a:p>
+            <a:r>
+              <a:rPr lang="en-US" altLang="zh-TW" dirty="0"/>
+              <a:t>      }</a:t>
+            </a:r>
+          </a:p>
+          <a:p>
+            <a:r>
+              <a:rPr lang="en-US" altLang="zh-TW" dirty="0"/>
+              <a:t>    </a:t>
+            </a:r>
+            <a:r>
+              <a:rPr lang="en-US" altLang="zh-TW" dirty="0" smtClean="0"/>
+              <a:t>});</a:t>
+            </a:r>
+            <a:endParaRPr lang="zh-TW" altLang="en-US" dirty="0"/>
+          </a:p>
+        </p:txBody>
+      </p:sp>
+    </p:spTree>
+    <p:extLst>
+      <p:ext uri="{BB962C8B-B14F-4D97-AF65-F5344CB8AC3E}">
+        <p14:creationId xmlns:p14="http://schemas.microsoft.com/office/powerpoint/2010/main" val="441568836"/>
+      </p:ext>
+    </p:extLst>
+  </p:cSld>
+  <p:clrMapOvr>
+    <a:masterClrMapping/>
+  </p:clrMapOvr>
+</p:sld>
+</file>
+
+<file path=ppt/slides/slide11.xml><?xml version="1.0" encoding="utf-8"?>
+<p:sld xmlns:a="http://schemas.openxmlformats.org/drawingml/2006/main" xmlns:r="http://schemas.openxmlformats.org/officeDocument/2006/relationships" xmlns:p="http://schemas.openxmlformats.org/presentationml/2006/main">
+  <p:cSld>
+    <p:spTree>
+      <p:nvGrpSpPr>
+        <p:cNvPr id="1" name=""/>
+        <p:cNvGrpSpPr/>
+        <p:nvPr/>
+      </p:nvGrpSpPr>
+      <p:grpSpPr>
+        <a:xfrm>
+          <a:off x="0" y="0"/>
+          <a:ext cx="0" cy="0"/>
+          <a:chOff x="0" y="0"/>
+          <a:chExt cx="0" cy="0"/>
+        </a:xfrm>
+      </p:grpSpPr>
+      <p:sp>
+        <p:nvSpPr>
+          <p:cNvPr id="2" name="標題 1"/>
+          <p:cNvSpPr>
+            <a:spLocks noGrp="1"/>
+          </p:cNvSpPr>
+          <p:nvPr>
+            <p:ph type="title"/>
+          </p:nvPr>
+        </p:nvSpPr>
+        <p:spPr/>
+        <p:txBody>
+          <a:bodyPr/>
+          <a:lstStyle/>
+          <a:p>
+            <a:r>
+              <a:rPr lang="en-US" altLang="zh-TW" dirty="0" smtClean="0"/>
+              <a:t>Collection</a:t>
+            </a:r>
+            <a:endParaRPr lang="zh-TW" altLang="en-US" dirty="0"/>
+          </a:p>
+        </p:txBody>
+      </p:sp>
+      <p:sp>
+        <p:nvSpPr>
+          <p:cNvPr id="4" name="矩形 3"/>
+          <p:cNvSpPr/>
+          <p:nvPr/>
+        </p:nvSpPr>
+        <p:spPr>
+          <a:xfrm>
+            <a:off x="2286000" y="2828836"/>
+            <a:ext cx="4572000" cy="923330"/>
+          </a:xfrm>
+          <a:prstGeom prst="rect">
+            <a:avLst/>
+          </a:prstGeom>
+        </p:spPr>
+        <p:txBody>
+          <a:bodyPr>
+            <a:spAutoFit/>
+          </a:bodyPr>
+          <a:lstStyle/>
+          <a:p>
+            <a:r>
+              <a:rPr lang="en-US" altLang="zh-TW" dirty="0" err="1"/>
+              <a:t>var</a:t>
+            </a:r>
+            <a:r>
+              <a:rPr lang="en-US" altLang="zh-TW" dirty="0"/>
+              <a:t> Users = </a:t>
+            </a:r>
+            <a:r>
+              <a:rPr lang="en-US" altLang="zh-TW" dirty="0" err="1"/>
+              <a:t>Backbone.Collection.extend</a:t>
+            </a:r>
+            <a:r>
+              <a:rPr lang="en-US" altLang="zh-TW" dirty="0"/>
+              <a:t>({</a:t>
+            </a:r>
+          </a:p>
+          <a:p>
+            <a:r>
+              <a:rPr lang="en-US" altLang="zh-TW" dirty="0"/>
+              <a:t>    model: </a:t>
+            </a:r>
+            <a:r>
+              <a:rPr lang="en-US" altLang="zh-TW" dirty="0" smtClean="0"/>
+              <a:t>User</a:t>
+            </a:r>
+          </a:p>
+          <a:p>
+            <a:r>
+              <a:rPr lang="en-US" altLang="zh-TW" dirty="0" smtClean="0"/>
+              <a:t>});</a:t>
+            </a:r>
+            <a:endParaRPr lang="zh-TW" altLang="en-US" dirty="0"/>
+          </a:p>
+        </p:txBody>
+      </p:sp>
+    </p:spTree>
+    <p:extLst>
+      <p:ext uri="{BB962C8B-B14F-4D97-AF65-F5344CB8AC3E}">
+        <p14:creationId xmlns:p14="http://schemas.microsoft.com/office/powerpoint/2010/main" val="2449310176"/>
+      </p:ext>
+    </p:extLst>
+  </p:cSld>
+  <p:clrMapOvr>
+    <a:masterClrMapping/>
+  </p:clrMapOvr>
+</p:sld>
+</file>
+
+<file path=ppt/slides/slide12.xml><?xml version="1.0" encoding="utf-8"?>
+<p:sld xmlns:a="http://schemas.openxmlformats.org/drawingml/2006/main" xmlns:r="http://schemas.openxmlformats.org/officeDocument/2006/relationships" xmlns:p="http://schemas.openxmlformats.org/presentationml/2006/main">
+  <p:cSld>
+    <p:spTree>
+      <p:nvGrpSpPr>
+        <p:cNvPr id="1" name=""/>
+        <p:cNvGrpSpPr/>
+        <p:nvPr/>
+      </p:nvGrpSpPr>
+      <p:grpSpPr>
+        <a:xfrm>
+          <a:off x="0" y="0"/>
+          <a:ext cx="0" cy="0"/>
+          <a:chOff x="0" y="0"/>
+          <a:chExt cx="0" cy="0"/>
+        </a:xfrm>
+      </p:grpSpPr>
+      <p:sp>
+        <p:nvSpPr>
+          <p:cNvPr id="2" name="標題 1"/>
+          <p:cNvSpPr>
+            <a:spLocks noGrp="1"/>
+          </p:cNvSpPr>
+          <p:nvPr>
+            <p:ph type="title"/>
+          </p:nvPr>
+        </p:nvSpPr>
+        <p:spPr/>
+        <p:txBody>
+          <a:bodyPr/>
+          <a:lstStyle/>
+          <a:p>
+            <a:r>
+              <a:rPr lang="en-US" altLang="zh-TW" dirty="0" smtClean="0"/>
+              <a:t>Demo</a:t>
+            </a:r>
+            <a:endParaRPr lang="zh-TW" altLang="en-US" dirty="0"/>
+          </a:p>
+        </p:txBody>
+      </p:sp>
+    </p:spTree>
+    <p:extLst>
+      <p:ext uri="{BB962C8B-B14F-4D97-AF65-F5344CB8AC3E}">
+        <p14:creationId xmlns:p14="http://schemas.microsoft.com/office/powerpoint/2010/main" val="4249147728"/>
       </p:ext>
     </p:extLst>
   </p:cSld>
@@ -3128,7 +3491,7 @@
           <a:p>
             <a:r>
               <a:rPr lang="en-US" altLang="zh-TW" b="1" dirty="0" smtClean="0"/>
-              <a:t>Backbone.js</a:t>
+              <a:t>Reference</a:t>
             </a:r>
             <a:endParaRPr lang="zh-TW" altLang="en-US" dirty="0"/>
           </a:p>
@@ -3165,22 +3528,65 @@
           </a:p>
           <a:p>
             <a:r>
-              <a:rPr lang="en-US" altLang="zh-TW" dirty="0"/>
-              <a:t>http://documentcloud.github.com/backbone/#Router</a:t>
-            </a:r>
-          </a:p>
-          <a:p>
+              <a:rPr lang="en-US" altLang="zh-TW" dirty="0">
+                <a:hlinkClick r:id="rId3"/>
+              </a:rPr>
+              <a:t>http://</a:t>
+            </a:r>
+            <a:r>
+              <a:rPr lang="en-US" altLang="zh-TW" dirty="0" smtClean="0">
+                <a:hlinkClick r:id="rId3"/>
+              </a:rPr>
+              <a:t>www.youtube.com/watch?v=OQlAiOOsvcs</a:t>
+            </a:r>
             <a:endParaRPr lang="en-US" altLang="zh-TW" dirty="0" smtClean="0"/>
           </a:p>
           <a:p>
-            <a:r>
-              <a:rPr lang="en-US" altLang="zh-TW" dirty="0"/>
-              <a:t>http://www.youtube.com/watch?v=OQlAiOOsvcs</a:t>
-            </a:r>
             <a:endParaRPr lang="zh-TW" altLang="en-US" dirty="0"/>
           </a:p>
         </p:txBody>
       </p:sp>
+      <p:pic>
+        <p:nvPicPr>
+          <p:cNvPr id="4" name="Picture 2" descr="http://t.cyol.com/cache/temp/img/2010/12/1000/119/img/img_1293612259_0.png"/>
+          <p:cNvPicPr>
+            <a:picLocks noChangeAspect="1" noChangeArrowheads="1"/>
+          </p:cNvPicPr>
+          <p:nvPr/>
+        </p:nvPicPr>
+        <p:blipFill>
+          <a:blip r:embed="rId4">
+            <a:extLst>
+              <a:ext uri="{28A0092B-C50C-407E-A947-70E740481C1C}">
+                <a14:useLocalDpi xmlns:a14="http://schemas.microsoft.com/office/drawing/2010/main" val="0"/>
+              </a:ext>
+            </a:extLst>
+          </a:blip>
+          <a:srcRect/>
+          <a:stretch>
+            <a:fillRect/>
+          </a:stretch>
+        </p:blipFill>
+        <p:spPr bwMode="auto">
+          <a:xfrm>
+            <a:off x="2699792" y="3140968"/>
+            <a:ext cx="4325123" cy="2736304"/>
+          </a:xfrm>
+          <a:prstGeom prst="rect">
+            <a:avLst/>
+          </a:prstGeom>
+          <a:noFill/>
+          <a:extLst>
+            <a:ext uri="{909E8E84-426E-40DD-AFC4-6F175D3DCCD1}">
+              <a14:hiddenFill xmlns:a14="http://schemas.microsoft.com/office/drawing/2010/main">
+                <a:solidFill>
+                  <a:srgbClr val="FFFFFF"/>
+                </a:solidFill>
+              </a14:hiddenFill>
+            </a:ext>
+          </a:extLst>
+        </p:spPr>
+      </p:pic>
     </p:spTree>
     <p:extLst>
       <p:ext uri="{BB962C8B-B14F-4D97-AF65-F5344CB8AC3E}">
@@ -3246,6 +3652,12 @@
           <a:lstStyle/>
           <a:p>
             <a:r>
+              <a:rPr lang="en-US" altLang="zh-TW" dirty="0" smtClean="0"/>
+              <a:t>Front-End Framework , not a UI library</a:t>
+            </a:r>
+          </a:p>
+          <a:p>
+            <a:r>
               <a:rPr lang="zh-TW" altLang="en-US" dirty="0" smtClean="0"/>
               <a:t>輕巧 </a:t>
             </a:r>
@@ -3465,6 +3877,659 @@
           </a:p>
         </p:txBody>
       </p:sp>
+      <p:sp>
+        <p:nvSpPr>
+          <p:cNvPr id="4" name="橢圓 3"/>
+          <p:cNvSpPr/>
+          <p:nvPr/>
+        </p:nvSpPr>
+        <p:spPr>
+          <a:xfrm>
+            <a:off x="4427984" y="4509120"/>
+            <a:ext cx="936104" cy="936104"/>
+          </a:xfrm>
+          <a:prstGeom prst="ellipse">
+            <a:avLst/>
+          </a:prstGeom>
+        </p:spPr>
+        <p:style>
+          <a:lnRef idx="2">
+            <a:schemeClr val="accent1">
+              <a:shade val="50000"/>
+            </a:schemeClr>
+          </a:lnRef>
+          <a:fillRef idx="1">
+            <a:schemeClr val="accent1"/>
+          </a:fillRef>
+          <a:effectRef idx="0">
+            <a:schemeClr val="accent1"/>
+          </a:effectRef>
+          <a:fontRef idx="minor">
+            <a:schemeClr val="lt1"/>
+          </a:fontRef>
+        </p:style>
+        <p:txBody>
+          <a:bodyPr rtlCol="0" anchor="ctr"/>
+          <a:lstStyle/>
+          <a:p>
+            <a:pPr algn="ctr"/>
+            <a:endParaRPr lang="zh-TW" altLang="en-US"/>
+          </a:p>
+        </p:txBody>
+      </p:sp>
+      <p:sp>
+        <p:nvSpPr>
+          <p:cNvPr id="5" name="橢圓 4"/>
+          <p:cNvSpPr/>
+          <p:nvPr/>
+        </p:nvSpPr>
+        <p:spPr>
+          <a:xfrm>
+            <a:off x="3628969" y="5662821"/>
+            <a:ext cx="936104" cy="936104"/>
+          </a:xfrm>
+          <a:prstGeom prst="ellipse">
+            <a:avLst/>
+          </a:prstGeom>
+        </p:spPr>
+        <p:style>
+          <a:lnRef idx="2">
+            <a:schemeClr val="accent2">
+              <a:shade val="50000"/>
+            </a:schemeClr>
+          </a:lnRef>
+          <a:fillRef idx="1">
+            <a:schemeClr val="accent2"/>
+          </a:fillRef>
+          <a:effectRef idx="0">
+            <a:schemeClr val="accent2"/>
+          </a:effectRef>
+          <a:fontRef idx="minor">
+            <a:schemeClr val="lt1"/>
+          </a:fontRef>
+        </p:style>
+        <p:txBody>
+          <a:bodyPr rtlCol="0" anchor="ctr"/>
+          <a:lstStyle/>
+          <a:p>
+            <a:pPr algn="ctr"/>
+            <a:endParaRPr lang="zh-TW" altLang="en-US"/>
+          </a:p>
+        </p:txBody>
+      </p:sp>
+      <p:sp>
+        <p:nvSpPr>
+          <p:cNvPr id="6" name="橢圓 5"/>
+          <p:cNvSpPr/>
+          <p:nvPr/>
+        </p:nvSpPr>
+        <p:spPr>
+          <a:xfrm>
+            <a:off x="5292080" y="5589240"/>
+            <a:ext cx="936104" cy="936104"/>
+          </a:xfrm>
+          <a:prstGeom prst="ellipse">
+            <a:avLst/>
+          </a:prstGeom>
+        </p:spPr>
+        <p:style>
+          <a:lnRef idx="2">
+            <a:schemeClr val="accent5">
+              <a:shade val="50000"/>
+            </a:schemeClr>
+          </a:lnRef>
+          <a:fillRef idx="1">
+            <a:schemeClr val="accent5"/>
+          </a:fillRef>
+          <a:effectRef idx="0">
+            <a:schemeClr val="accent5"/>
+          </a:effectRef>
+          <a:fontRef idx="minor">
+            <a:schemeClr val="lt1"/>
+          </a:fontRef>
+        </p:style>
+        <p:txBody>
+          <a:bodyPr rtlCol="0" anchor="ctr"/>
+          <a:lstStyle/>
+          <a:p>
+            <a:pPr algn="ctr"/>
+            <a:endParaRPr lang="zh-TW" altLang="en-US"/>
+          </a:p>
+        </p:txBody>
+      </p:sp>
+      <p:cxnSp>
+        <p:nvCxnSpPr>
+          <p:cNvPr id="8" name="直線單箭頭接點 7"/>
+          <p:cNvCxnSpPr>
+            <a:stCxn id="4" idx="3"/>
+          </p:cNvCxnSpPr>
+          <p:nvPr/>
+        </p:nvCxnSpPr>
+        <p:spPr>
+          <a:xfrm flipH="1">
+            <a:off x="4283968" y="5308135"/>
+            <a:ext cx="281105" cy="425121"/>
+          </a:xfrm>
+          <a:prstGeom prst="straightConnector1">
+            <a:avLst/>
+          </a:prstGeom>
+          <a:ln>
+            <a:tailEnd type="arrow"/>
+          </a:ln>
+        </p:spPr>
+        <p:style>
+          <a:lnRef idx="1">
+            <a:schemeClr val="accent1"/>
+          </a:lnRef>
+          <a:fillRef idx="0">
+            <a:schemeClr val="accent1"/>
+          </a:fillRef>
+          <a:effectRef idx="0">
+            <a:schemeClr val="accent1"/>
+          </a:effectRef>
+          <a:fontRef idx="minor">
+            <a:schemeClr val="tx1"/>
+          </a:fontRef>
+        </p:style>
+      </p:cxnSp>
+      <p:cxnSp>
+        <p:nvCxnSpPr>
+          <p:cNvPr id="11" name="直線單箭頭接點 10"/>
+          <p:cNvCxnSpPr/>
+          <p:nvPr/>
+        </p:nvCxnSpPr>
+        <p:spPr>
+          <a:xfrm>
+            <a:off x="5220072" y="5244627"/>
+            <a:ext cx="353113" cy="418194"/>
+          </a:xfrm>
+          <a:prstGeom prst="straightConnector1">
+            <a:avLst/>
+          </a:prstGeom>
+          <a:ln>
+            <a:tailEnd type="arrow"/>
+          </a:ln>
+        </p:spPr>
+        <p:style>
+          <a:lnRef idx="1">
+            <a:schemeClr val="accent1"/>
+          </a:lnRef>
+          <a:fillRef idx="0">
+            <a:schemeClr val="accent1"/>
+          </a:fillRef>
+          <a:effectRef idx="0">
+            <a:schemeClr val="accent1"/>
+          </a:effectRef>
+          <a:fontRef idx="minor">
+            <a:schemeClr val="tx1"/>
+          </a:fontRef>
+        </p:style>
+      </p:cxnSp>
+      <p:cxnSp>
+        <p:nvCxnSpPr>
+          <p:cNvPr id="14" name="直線單箭頭接點 13"/>
+          <p:cNvCxnSpPr/>
+          <p:nvPr/>
+        </p:nvCxnSpPr>
+        <p:spPr>
+          <a:xfrm flipH="1">
+            <a:off x="4611467" y="6130873"/>
+            <a:ext cx="641145" cy="0"/>
+          </a:xfrm>
+          <a:prstGeom prst="straightConnector1">
+            <a:avLst/>
+          </a:prstGeom>
+          <a:ln>
+            <a:prstDash val="dash"/>
+            <a:tailEnd type="arrow"/>
+          </a:ln>
+        </p:spPr>
+        <p:style>
+          <a:lnRef idx="1">
+            <a:schemeClr val="accent1"/>
+          </a:lnRef>
+          <a:fillRef idx="0">
+            <a:schemeClr val="accent1"/>
+          </a:fillRef>
+          <a:effectRef idx="0">
+            <a:schemeClr val="accent1"/>
+          </a:effectRef>
+          <a:fontRef idx="minor">
+            <a:schemeClr val="tx1"/>
+          </a:fontRef>
+        </p:style>
+      </p:cxnSp>
+      <p:cxnSp>
+        <p:nvCxnSpPr>
+          <p:cNvPr id="16" name="直線單箭頭接點 15"/>
+          <p:cNvCxnSpPr/>
+          <p:nvPr/>
+        </p:nvCxnSpPr>
+        <p:spPr>
+          <a:xfrm>
+            <a:off x="4618188" y="6265718"/>
+            <a:ext cx="646614" cy="0"/>
+          </a:xfrm>
+          <a:prstGeom prst="straightConnector1">
+            <a:avLst/>
+          </a:prstGeom>
+          <a:ln>
+            <a:tailEnd type="arrow"/>
+          </a:ln>
+        </p:spPr>
+        <p:style>
+          <a:lnRef idx="1">
+            <a:schemeClr val="accent1"/>
+          </a:lnRef>
+          <a:fillRef idx="0">
+            <a:schemeClr val="accent1"/>
+          </a:fillRef>
+          <a:effectRef idx="0">
+            <a:schemeClr val="accent1"/>
+          </a:effectRef>
+          <a:fontRef idx="minor">
+            <a:schemeClr val="tx1"/>
+          </a:fontRef>
+        </p:style>
+      </p:cxnSp>
+      <p:sp>
+        <p:nvSpPr>
+          <p:cNvPr id="20" name="矩形 19"/>
+          <p:cNvSpPr/>
+          <p:nvPr/>
+        </p:nvSpPr>
+        <p:spPr>
+          <a:xfrm>
+            <a:off x="4460275" y="4725144"/>
+            <a:ext cx="871521" cy="369332"/>
+          </a:xfrm>
+          <a:prstGeom prst="rect">
+            <a:avLst/>
+          </a:prstGeom>
+        </p:spPr>
+        <p:txBody>
+          <a:bodyPr wrap="none">
+            <a:spAutoFit/>
+          </a:bodyPr>
+          <a:lstStyle/>
+          <a:p>
+            <a:r>
+              <a:rPr lang="en-US" altLang="zh-TW" dirty="0"/>
+              <a:t>Router </a:t>
+            </a:r>
+            <a:endParaRPr lang="zh-TW" altLang="en-US" dirty="0"/>
+          </a:p>
+        </p:txBody>
+      </p:sp>
+      <p:sp>
+        <p:nvSpPr>
+          <p:cNvPr id="21" name="矩形 20"/>
+          <p:cNvSpPr/>
+          <p:nvPr/>
+        </p:nvSpPr>
+        <p:spPr>
+          <a:xfrm>
+            <a:off x="3779912" y="5946207"/>
+            <a:ext cx="701282" cy="369332"/>
+          </a:xfrm>
+          <a:prstGeom prst="rect">
+            <a:avLst/>
+          </a:prstGeom>
+        </p:spPr>
+        <p:txBody>
+          <a:bodyPr wrap="none">
+            <a:spAutoFit/>
+          </a:bodyPr>
+          <a:lstStyle/>
+          <a:p>
+            <a:r>
+              <a:rPr lang="en-US" altLang="zh-TW" dirty="0" smtClean="0"/>
+              <a:t>View </a:t>
+            </a:r>
+            <a:endParaRPr lang="zh-TW" altLang="en-US" dirty="0"/>
+          </a:p>
+        </p:txBody>
+      </p:sp>
+      <p:sp>
+        <p:nvSpPr>
+          <p:cNvPr id="22" name="矩形 21"/>
+          <p:cNvSpPr/>
+          <p:nvPr/>
+        </p:nvSpPr>
+        <p:spPr>
+          <a:xfrm>
+            <a:off x="5292080" y="5733256"/>
+            <a:ext cx="1175322" cy="646331"/>
+          </a:xfrm>
+          <a:prstGeom prst="rect">
+            <a:avLst/>
+          </a:prstGeom>
+        </p:spPr>
+        <p:txBody>
+          <a:bodyPr wrap="none">
+            <a:spAutoFit/>
+          </a:bodyPr>
+          <a:lstStyle/>
+          <a:p>
+            <a:r>
+              <a:rPr lang="en-US" altLang="zh-TW" dirty="0" smtClean="0"/>
+              <a:t>Model or</a:t>
+            </a:r>
+          </a:p>
+          <a:p>
+            <a:r>
+              <a:rPr lang="en-US" altLang="zh-TW" dirty="0" smtClean="0"/>
+              <a:t>Collection </a:t>
+            </a:r>
+            <a:endParaRPr lang="zh-TW" altLang="en-US" dirty="0"/>
+          </a:p>
+        </p:txBody>
+      </p:sp>
+      <p:sp>
+        <p:nvSpPr>
+          <p:cNvPr id="23" name="橢圓 22"/>
+          <p:cNvSpPr/>
+          <p:nvPr/>
+        </p:nvSpPr>
+        <p:spPr>
+          <a:xfrm>
+            <a:off x="7127244" y="5589240"/>
+            <a:ext cx="936104" cy="936104"/>
+          </a:xfrm>
+          <a:prstGeom prst="ellipse">
+            <a:avLst/>
+          </a:prstGeom>
+        </p:spPr>
+        <p:style>
+          <a:lnRef idx="2">
+            <a:schemeClr val="accent4">
+              <a:shade val="50000"/>
+            </a:schemeClr>
+          </a:lnRef>
+          <a:fillRef idx="1">
+            <a:schemeClr val="accent4"/>
+          </a:fillRef>
+          <a:effectRef idx="0">
+            <a:schemeClr val="accent4"/>
+          </a:effectRef>
+          <a:fontRef idx="minor">
+            <a:schemeClr val="lt1"/>
+          </a:fontRef>
+        </p:style>
+        <p:txBody>
+          <a:bodyPr rtlCol="0" anchor="ctr"/>
+          <a:lstStyle/>
+          <a:p>
+            <a:pPr algn="ctr"/>
+            <a:endParaRPr lang="zh-TW" altLang="en-US"/>
+          </a:p>
+        </p:txBody>
+      </p:sp>
+      <p:sp>
+        <p:nvSpPr>
+          <p:cNvPr id="24" name="矩形 23"/>
+          <p:cNvSpPr/>
+          <p:nvPr/>
+        </p:nvSpPr>
+        <p:spPr>
+          <a:xfrm>
+            <a:off x="7261829" y="5827841"/>
+            <a:ext cx="838563" cy="369332"/>
+          </a:xfrm>
+          <a:prstGeom prst="rect">
+            <a:avLst/>
+          </a:prstGeom>
+        </p:spPr>
+        <p:txBody>
+          <a:bodyPr wrap="none">
+            <a:spAutoFit/>
+          </a:bodyPr>
+          <a:lstStyle/>
+          <a:p>
+            <a:r>
+              <a:rPr lang="en-US" altLang="zh-TW" dirty="0" smtClean="0"/>
+              <a:t>Server </a:t>
+            </a:r>
+            <a:endParaRPr lang="zh-TW" altLang="en-US" dirty="0"/>
+          </a:p>
+        </p:txBody>
+      </p:sp>
+      <p:cxnSp>
+        <p:nvCxnSpPr>
+          <p:cNvPr id="25" name="直線單箭頭接點 24"/>
+          <p:cNvCxnSpPr/>
+          <p:nvPr/>
+        </p:nvCxnSpPr>
+        <p:spPr>
+          <a:xfrm>
+            <a:off x="6372200" y="6093296"/>
+            <a:ext cx="653874" cy="0"/>
+          </a:xfrm>
+          <a:prstGeom prst="straightConnector1">
+            <a:avLst/>
+          </a:prstGeom>
+          <a:ln>
+            <a:tailEnd type="arrow"/>
+          </a:ln>
+        </p:spPr>
+        <p:style>
+          <a:lnRef idx="1">
+            <a:schemeClr val="accent1"/>
+          </a:lnRef>
+          <a:fillRef idx="0">
+            <a:schemeClr val="accent1"/>
+          </a:fillRef>
+          <a:effectRef idx="0">
+            <a:schemeClr val="accent1"/>
+          </a:effectRef>
+          <a:fontRef idx="minor">
+            <a:schemeClr val="tx1"/>
+          </a:fontRef>
+        </p:style>
+      </p:cxnSp>
+      <p:cxnSp>
+        <p:nvCxnSpPr>
+          <p:cNvPr id="27" name="直線單箭頭接點 26"/>
+          <p:cNvCxnSpPr/>
+          <p:nvPr/>
+        </p:nvCxnSpPr>
+        <p:spPr>
+          <a:xfrm flipH="1" flipV="1">
+            <a:off x="6404296" y="6231488"/>
+            <a:ext cx="621778" cy="5824"/>
+          </a:xfrm>
+          <a:prstGeom prst="straightConnector1">
+            <a:avLst/>
+          </a:prstGeom>
+          <a:ln>
+            <a:tailEnd type="arrow"/>
+          </a:ln>
+        </p:spPr>
+        <p:style>
+          <a:lnRef idx="1">
+            <a:schemeClr val="accent1"/>
+          </a:lnRef>
+          <a:fillRef idx="0">
+            <a:schemeClr val="accent1"/>
+          </a:fillRef>
+          <a:effectRef idx="0">
+            <a:schemeClr val="accent1"/>
+          </a:effectRef>
+          <a:fontRef idx="minor">
+            <a:schemeClr val="tx1"/>
+          </a:fontRef>
+        </p:style>
+      </p:cxnSp>
+      <p:sp>
+        <p:nvSpPr>
+          <p:cNvPr id="30" name="矩形 29"/>
+          <p:cNvSpPr/>
+          <p:nvPr/>
+        </p:nvSpPr>
+        <p:spPr>
+          <a:xfrm>
+            <a:off x="6279424" y="6200792"/>
+            <a:ext cx="632994" cy="369332"/>
+          </a:xfrm>
+          <a:prstGeom prst="rect">
+            <a:avLst/>
+          </a:prstGeom>
+        </p:spPr>
+        <p:txBody>
+          <a:bodyPr wrap="none">
+            <a:spAutoFit/>
+          </a:bodyPr>
+          <a:lstStyle/>
+          <a:p>
+            <a:r>
+              <a:rPr lang="en-US" altLang="zh-TW" dirty="0" smtClean="0"/>
+              <a:t>Ajax </a:t>
+            </a:r>
+            <a:endParaRPr lang="zh-TW" altLang="en-US" dirty="0"/>
+          </a:p>
+        </p:txBody>
+      </p:sp>
+      <p:sp>
+        <p:nvSpPr>
+          <p:cNvPr id="33" name="橢圓 32"/>
+          <p:cNvSpPr/>
+          <p:nvPr/>
+        </p:nvSpPr>
+        <p:spPr>
+          <a:xfrm>
+            <a:off x="6444208" y="4653136"/>
+            <a:ext cx="936104" cy="936104"/>
+          </a:xfrm>
+          <a:prstGeom prst="ellipse">
+            <a:avLst/>
+          </a:prstGeom>
+        </p:spPr>
+        <p:style>
+          <a:lnRef idx="2">
+            <a:schemeClr val="accent4">
+              <a:shade val="50000"/>
+            </a:schemeClr>
+          </a:lnRef>
+          <a:fillRef idx="1">
+            <a:schemeClr val="accent4"/>
+          </a:fillRef>
+          <a:effectRef idx="0">
+            <a:schemeClr val="accent4"/>
+          </a:effectRef>
+          <a:fontRef idx="minor">
+            <a:schemeClr val="lt1"/>
+          </a:fontRef>
+        </p:style>
+        <p:txBody>
+          <a:bodyPr rtlCol="0" anchor="ctr"/>
+          <a:lstStyle/>
+          <a:p>
+            <a:pPr algn="ctr"/>
+            <a:endParaRPr lang="zh-TW" altLang="en-US"/>
+          </a:p>
+        </p:txBody>
+      </p:sp>
+      <p:sp>
+        <p:nvSpPr>
+          <p:cNvPr id="34" name="矩形 33"/>
+          <p:cNvSpPr/>
+          <p:nvPr/>
+        </p:nvSpPr>
+        <p:spPr>
+          <a:xfrm>
+            <a:off x="6544876" y="4765203"/>
+            <a:ext cx="948401" cy="646331"/>
+          </a:xfrm>
+          <a:prstGeom prst="rect">
+            <a:avLst/>
+          </a:prstGeom>
+        </p:spPr>
+        <p:txBody>
+          <a:bodyPr wrap="none">
+            <a:spAutoFit/>
+          </a:bodyPr>
+          <a:lstStyle/>
+          <a:p>
+            <a:r>
+              <a:rPr lang="en-US" altLang="zh-TW" dirty="0" smtClean="0"/>
+              <a:t>Local</a:t>
+            </a:r>
+          </a:p>
+          <a:p>
+            <a:r>
+              <a:rPr lang="en-US" altLang="zh-TW" dirty="0" smtClean="0"/>
+              <a:t>Storage </a:t>
+            </a:r>
+            <a:endParaRPr lang="zh-TW" altLang="en-US" dirty="0"/>
+          </a:p>
+        </p:txBody>
+      </p:sp>
+      <p:cxnSp>
+        <p:nvCxnSpPr>
+          <p:cNvPr id="35" name="直線單箭頭接點 34"/>
+          <p:cNvCxnSpPr/>
+          <p:nvPr/>
+        </p:nvCxnSpPr>
+        <p:spPr>
+          <a:xfrm flipV="1">
+            <a:off x="6003729" y="5308136"/>
+            <a:ext cx="463673" cy="281104"/>
+          </a:xfrm>
+          <a:prstGeom prst="straightConnector1">
+            <a:avLst/>
+          </a:prstGeom>
+          <a:ln>
+            <a:tailEnd type="arrow"/>
+          </a:ln>
+        </p:spPr>
+        <p:style>
+          <a:lnRef idx="1">
+            <a:schemeClr val="accent1"/>
+          </a:lnRef>
+          <a:fillRef idx="0">
+            <a:schemeClr val="accent1"/>
+          </a:fillRef>
+          <a:effectRef idx="0">
+            <a:schemeClr val="accent1"/>
+          </a:effectRef>
+          <a:fontRef idx="minor">
+            <a:schemeClr val="tx1"/>
+          </a:fontRef>
+        </p:style>
+      </p:cxnSp>
+      <p:cxnSp>
+        <p:nvCxnSpPr>
+          <p:cNvPr id="38" name="直線單箭頭接點 37"/>
+          <p:cNvCxnSpPr/>
+          <p:nvPr/>
+        </p:nvCxnSpPr>
+        <p:spPr>
+          <a:xfrm flipH="1">
+            <a:off x="6084169" y="5453724"/>
+            <a:ext cx="383233" cy="231016"/>
+          </a:xfrm>
+          <a:prstGeom prst="straightConnector1">
+            <a:avLst/>
+          </a:prstGeom>
+          <a:ln>
+            <a:tailEnd type="arrow"/>
+          </a:ln>
+        </p:spPr>
+        <p:style>
+          <a:lnRef idx="1">
+            <a:schemeClr val="accent1"/>
+          </a:lnRef>
+          <a:fillRef idx="0">
+            <a:schemeClr val="accent1"/>
+          </a:fillRef>
+          <a:effectRef idx="0">
+            <a:schemeClr val="accent1"/>
+          </a:effectRef>
+          <a:fontRef idx="minor">
+            <a:schemeClr val="tx1"/>
+          </a:fontRef>
+        </p:style>
+      </p:cxnSp>
     </p:spTree>
     <p:extLst>
       <p:ext uri="{BB962C8B-B14F-4D97-AF65-F5344CB8AC3E}">
@@ -3575,7 +4640,15 @@
             </a:r>
             <a:r>
               <a:rPr lang="en-US" altLang="zh-TW" dirty="0" smtClean="0"/>
-              <a:t>Dom Library</a:t>
+              <a:t>Dom Library (</a:t>
+            </a:r>
+            <a:r>
+              <a:rPr lang="en-US" altLang="zh-TW" dirty="0" err="1" smtClean="0"/>
+              <a:t>jQuery</a:t>
+            </a:r>
+            <a:r>
+              <a:rPr lang="en-US" altLang="zh-TW" dirty="0" smtClean="0"/>
+              <a:t>)</a:t>
             </a:r>
           </a:p>
           <a:p>
@@ -3687,7 +4760,17 @@
             </a:r>
             <a:r>
               <a:rPr lang="en-US" altLang="zh-TW" dirty="0" smtClean="0"/>
-              <a:t>view</a:t>
+              <a:t>Router</a:t>
+            </a:r>
+          </a:p>
+          <a:p>
+            <a:r>
+              <a:rPr lang="zh-TW" altLang="en-US" dirty="0" smtClean="0"/>
+              <a:t>定義</a:t>
+            </a:r>
+            <a:r>
+              <a:rPr lang="en-US" altLang="zh-TW" dirty="0" smtClean="0"/>
+              <a:t>View</a:t>
             </a:r>
             <a:r>
               <a:rPr lang="zh-TW" altLang="en-US" dirty="0" smtClean="0"/>
@@ -3705,16 +4788,6 @@
               <a:t>Model (Collection)</a:t>
             </a:r>
             <a:endParaRPr lang="en-US" altLang="zh-TW" dirty="0"/>
-          </a:p>
-          <a:p>
-            <a:r>
-              <a:rPr lang="zh-TW" altLang="en-US" dirty="0" smtClean="0"/>
-              <a:t>定義</a:t>
-            </a:r>
-            <a:r>
-              <a:rPr lang="en-US" altLang="zh-TW" dirty="0" smtClean="0"/>
-              <a:t>App Router</a:t>
-            </a:r>
           </a:p>
           <a:p>
             <a:r>
@@ -3794,207 +4867,296 @@
       </p:sp>
       <p:sp>
         <p:nvSpPr>
-          <p:cNvPr id="3" name="內容版面配置區 2"/>
-          <p:cNvSpPr>
-            <a:spLocks noGrp="1"/>
-          </p:cNvSpPr>
-          <p:nvPr>
-            <p:ph idx="1"/>
-          </p:nvPr>
-        </p:nvSpPr>
-        <p:spPr/>
-        <p:txBody>
-          <a:bodyPr>
-            <a:normAutofit fontScale="47500" lnSpcReduction="20000"/>
+          <p:cNvPr id="5" name="矩形 4"/>
+          <p:cNvSpPr/>
+          <p:nvPr/>
+        </p:nvSpPr>
+        <p:spPr>
+          <a:xfrm>
+            <a:off x="2051720" y="2060848"/>
+            <a:ext cx="5328592" cy="4185761"/>
+          </a:xfrm>
+          <a:prstGeom prst="rect">
+            <a:avLst/>
+          </a:prstGeom>
+        </p:spPr>
+        <p:txBody>
+          <a:bodyPr wrap="square">
+            <a:spAutoFit/>
           </a:bodyPr>
           <a:lstStyle/>
           <a:p>
             <a:r>
-              <a:rPr lang="en-US" altLang="zh-TW" dirty="0"/>
+              <a:rPr lang="en-US" altLang="zh-TW" sz="1400" dirty="0"/>
               <a:t>&lt;!DOCTYPE html&gt;</a:t>
             </a:r>
           </a:p>
           <a:p>
             <a:r>
-              <a:rPr lang="en-US" altLang="zh-TW" dirty="0"/>
+              <a:rPr lang="en-US" altLang="zh-TW" sz="1400" dirty="0"/>
               <a:t>&lt;html&gt;</a:t>
             </a:r>
           </a:p>
           <a:p>
             <a:r>
-              <a:rPr lang="en-US" altLang="zh-TW" dirty="0"/>
-              <a:t>&lt;head&gt;</a:t>
-            </a:r>
-          </a:p>
-          <a:p>
-            <a:r>
-              <a:rPr lang="en-US" altLang="zh-TW" dirty="0" smtClean="0"/>
+              <a:rPr lang="en-US" altLang="zh-TW" sz="1400" dirty="0"/>
+              <a:t>&lt;head</a:t>
+            </a:r>
+            <a:r>
+              <a:rPr lang="en-US" altLang="zh-TW" sz="1400" dirty="0" smtClean="0"/>
+              <a:t>&gt;</a:t>
+            </a:r>
+          </a:p>
+          <a:p>
+            <a:r>
+              <a:rPr lang="en-US" altLang="zh-TW" sz="1400" dirty="0" smtClean="0"/>
+              <a:t>&lt;link </a:t>
+            </a:r>
+            <a:r>
+              <a:rPr lang="en-US" altLang="zh-TW" sz="1400" dirty="0" err="1" smtClean="0"/>
+              <a:t>href</a:t>
+            </a:r>
+            <a:r>
+              <a:rPr lang="en-US" altLang="zh-TW" sz="1400" dirty="0" smtClean="0"/>
+              <a:t>="</a:t>
+            </a:r>
+            <a:r>
+              <a:rPr lang="en-US" altLang="zh-TW" sz="1400" dirty="0" err="1" smtClean="0"/>
+              <a:t>css</a:t>
+            </a:r>
+            <a:r>
+              <a:rPr lang="en-US" altLang="zh-TW" sz="1400" dirty="0" smtClean="0"/>
+              <a:t>/style.css" media="screen" </a:t>
+            </a:r>
+            <a:r>
+              <a:rPr lang="en-US" altLang="zh-TW" sz="1400" dirty="0" err="1" smtClean="0"/>
+              <a:t>rel</a:t>
+            </a:r>
+            <a:r>
+              <a:rPr lang="en-US" altLang="zh-TW" sz="1400" dirty="0" smtClean="0"/>
+              <a:t>="</a:t>
+            </a:r>
+            <a:r>
+              <a:rPr lang="en-US" altLang="zh-TW" sz="1400" dirty="0" err="1" smtClean="0"/>
+              <a:t>stylesheet</a:t>
+            </a:r>
+            <a:r>
+              <a:rPr lang="en-US" altLang="zh-TW" sz="1400" dirty="0" smtClean="0"/>
+              <a:t>" type="text/</a:t>
+            </a:r>
+            <a:r>
+              <a:rPr lang="en-US" altLang="zh-TW" sz="1400" dirty="0" err="1" smtClean="0"/>
+              <a:t>css</a:t>
+            </a:r>
+            <a:r>
+              <a:rPr lang="en-US" altLang="zh-TW" sz="1400" dirty="0" smtClean="0"/>
+              <a:t>" /&gt;</a:t>
+            </a:r>
+          </a:p>
+          <a:p>
+            <a:r>
+              <a:rPr lang="en-US" altLang="zh-TW" sz="1400" dirty="0" smtClean="0"/>
+              <a:t>&lt;/</a:t>
+            </a:r>
+            <a:r>
+              <a:rPr lang="en-US" altLang="zh-TW" sz="1400" dirty="0"/>
+              <a:t>head</a:t>
+            </a:r>
+            <a:r>
+              <a:rPr lang="en-US" altLang="zh-TW" sz="1400" dirty="0" smtClean="0"/>
+              <a:t>&gt;</a:t>
+            </a:r>
+            <a:endParaRPr lang="en-US" altLang="zh-TW" sz="1400" dirty="0"/>
+          </a:p>
+          <a:p>
+            <a:r>
+              <a:rPr lang="en-US" altLang="zh-TW" sz="1400" dirty="0" smtClean="0"/>
+              <a:t>&lt;</a:t>
+            </a:r>
+            <a:r>
+              <a:rPr lang="en-US" altLang="zh-TW" sz="1400" dirty="0"/>
+              <a:t>body&gt;  </a:t>
+            </a:r>
+          </a:p>
+          <a:p>
+            <a:r>
+              <a:rPr lang="en-US" altLang="zh-TW" sz="1400" dirty="0"/>
+              <a:t>    &lt;script type="text/template" id</a:t>
+            </a:r>
+            <a:r>
+              <a:rPr lang="en-US" altLang="zh-TW" sz="1400" dirty="0" smtClean="0"/>
+              <a:t>=“View-template</a:t>
+            </a:r>
+            <a:r>
+              <a:rPr lang="en-US" altLang="zh-TW" sz="1400" dirty="0"/>
+              <a:t>"&gt;</a:t>
+            </a:r>
+          </a:p>
+          <a:p>
+            <a:r>
+              <a:rPr lang="en-US" altLang="zh-TW" sz="1400" dirty="0" smtClean="0"/>
               <a:t>…</a:t>
             </a:r>
-            <a:endParaRPr lang="en-US" altLang="zh-TW" dirty="0"/>
-          </a:p>
-          <a:p>
-            <a:r>
-              <a:rPr lang="en-US" altLang="zh-TW" dirty="0"/>
-              <a:t>&lt;/head&gt;</a:t>
-            </a:r>
-          </a:p>
-          <a:p>
-            <a:r>
-              <a:rPr lang="en-US" altLang="zh-TW" dirty="0" smtClean="0"/>
+            <a:endParaRPr lang="en-US" altLang="zh-TW" sz="1400" dirty="0"/>
+          </a:p>
+          <a:p>
+            <a:r>
+              <a:rPr lang="en-US" altLang="zh-TW" sz="1400" dirty="0"/>
+              <a:t>    &lt;/script</a:t>
+            </a:r>
+            <a:r>
+              <a:rPr lang="en-US" altLang="zh-TW" sz="1400" dirty="0" smtClean="0"/>
+              <a:t>&gt;</a:t>
+            </a:r>
+          </a:p>
+          <a:p>
+            <a:endParaRPr lang="en-US" altLang="zh-TW" sz="1400" dirty="0" smtClean="0"/>
+          </a:p>
+          <a:p>
+            <a:r>
+              <a:rPr lang="en-US" altLang="zh-TW" sz="1400" dirty="0" smtClean="0"/>
               <a:t>&lt;</a:t>
             </a:r>
             <a:r>
-              <a:rPr lang="en-US" altLang="zh-TW" dirty="0"/>
-              <a:t>body&gt;</a:t>
-            </a:r>
-          </a:p>
-          <a:p>
-            <a:r>
-              <a:rPr lang="en-US" altLang="zh-TW" dirty="0" smtClean="0"/>
-              <a:t> &lt;script type=“text/template” id=“view-</a:t>
-            </a:r>
-            <a:r>
-              <a:rPr lang="en-US" altLang="zh-TW" dirty="0" err="1" smtClean="0"/>
-              <a:t>templage</a:t>
-            </a:r>
-            <a:r>
-              <a:rPr lang="en-US" altLang="zh-TW" dirty="0" smtClean="0"/>
-              <a:t>”&gt;</a:t>
-            </a:r>
-          </a:p>
-          <a:p>
-            <a:r>
-              <a:rPr lang="en-US" altLang="zh-TW" dirty="0" smtClean="0"/>
-              <a:t>  …</a:t>
-            </a:r>
-            <a:endParaRPr lang="en-US" altLang="zh-TW" dirty="0"/>
-          </a:p>
-          <a:p>
-            <a:r>
-              <a:rPr lang="en-US" altLang="zh-TW" dirty="0" smtClean="0"/>
-              <a:t>&lt;/</a:t>
-            </a:r>
-            <a:r>
-              <a:rPr lang="en-US" altLang="zh-TW" dirty="0"/>
-              <a:t>script&gt;</a:t>
-            </a:r>
-          </a:p>
-          <a:p>
-            <a:r>
-              <a:rPr lang="en-US" altLang="zh-TW" dirty="0"/>
-              <a:t>    &lt;script </a:t>
-            </a:r>
-            <a:r>
-              <a:rPr lang="en-US" altLang="zh-TW" dirty="0" err="1"/>
+              <a:rPr lang="en-US" altLang="zh-TW" sz="1400" dirty="0"/>
+              <a:t>script </a:t>
+            </a:r>
+            <a:r>
+              <a:rPr lang="en-US" altLang="zh-TW" sz="1400" dirty="0" err="1"/>
               <a:t>src</a:t>
             </a:r>
             <a:r>
-              <a:rPr lang="en-US" altLang="zh-TW" dirty="0"/>
-              <a:t>="jquery-1.7.2.min.js"&gt;&lt;/script&gt;</a:t>
-            </a:r>
-          </a:p>
-          <a:p>
-            <a:r>
-              <a:rPr lang="en-US" altLang="zh-TW" dirty="0"/>
-              <a:t>    &lt;script </a:t>
-            </a:r>
-            <a:r>
-              <a:rPr lang="en-US" altLang="zh-TW" dirty="0" err="1"/>
+              <a:rPr lang="en-US" altLang="zh-TW" sz="1400" dirty="0"/>
+              <a:t>="</a:t>
+            </a:r>
+            <a:r>
+              <a:rPr lang="en-US" altLang="zh-TW" sz="1400" dirty="0" err="1"/>
+              <a:t>js</a:t>
+            </a:r>
+            <a:r>
+              <a:rPr lang="en-US" altLang="zh-TW" sz="1400" dirty="0"/>
+              <a:t>/jquery-1.7.2.min.js"&gt;&lt;/script&gt;</a:t>
+            </a:r>
+          </a:p>
+          <a:p>
+            <a:r>
+              <a:rPr lang="en-US" altLang="zh-TW" sz="1400" dirty="0" smtClean="0"/>
+              <a:t>&lt;</a:t>
+            </a:r>
+            <a:r>
+              <a:rPr lang="en-US" altLang="zh-TW" sz="1400" dirty="0"/>
+              <a:t>script </a:t>
+            </a:r>
+            <a:r>
+              <a:rPr lang="en-US" altLang="zh-TW" sz="1400" dirty="0" err="1"/>
               <a:t>src</a:t>
             </a:r>
             <a:r>
-              <a:rPr lang="en-US" altLang="zh-TW" dirty="0"/>
-              <a:t>="underscore-1.3.1.js"&gt;&lt;/script&gt;</a:t>
-            </a:r>
-          </a:p>
-          <a:p>
-            <a:r>
-              <a:rPr lang="en-US" altLang="zh-TW" dirty="0"/>
-              <a:t>    &lt;script </a:t>
-            </a:r>
-            <a:r>
-              <a:rPr lang="en-US" altLang="zh-TW" dirty="0" err="1"/>
+              <a:rPr lang="en-US" altLang="zh-TW" sz="1400" dirty="0"/>
+              <a:t>="</a:t>
+            </a:r>
+            <a:r>
+              <a:rPr lang="en-US" altLang="zh-TW" sz="1400" dirty="0" err="1"/>
+              <a:t>js</a:t>
+            </a:r>
+            <a:r>
+              <a:rPr lang="en-US" altLang="zh-TW" sz="1400" dirty="0"/>
+              <a:t>/underscore-1.3.1.js"&gt;&lt;/script&gt;</a:t>
+            </a:r>
+          </a:p>
+          <a:p>
+            <a:r>
+              <a:rPr lang="en-US" altLang="zh-TW" sz="1400" dirty="0" smtClean="0"/>
+              <a:t>&lt;</a:t>
+            </a:r>
+            <a:r>
+              <a:rPr lang="en-US" altLang="zh-TW" sz="1400" dirty="0"/>
+              <a:t>script </a:t>
+            </a:r>
+            <a:r>
+              <a:rPr lang="en-US" altLang="zh-TW" sz="1400" dirty="0" err="1"/>
               <a:t>src</a:t>
             </a:r>
             <a:r>
-              <a:rPr lang="en-US" altLang="zh-TW" dirty="0"/>
-              <a:t>="backbone.js"&gt;&lt;/script&gt;</a:t>
-            </a:r>
-          </a:p>
-          <a:p>
-            <a:r>
-              <a:rPr lang="en-US" altLang="zh-TW" dirty="0"/>
-              <a:t> </a:t>
-            </a:r>
-            <a:r>
-              <a:rPr lang="en-US" altLang="zh-TW" dirty="0" smtClean="0"/>
-              <a:t>   &lt;</a:t>
-            </a:r>
-            <a:r>
-              <a:rPr lang="en-US" altLang="zh-TW" dirty="0"/>
+              <a:rPr lang="en-US" altLang="zh-TW" sz="1400" dirty="0"/>
+              <a:t>="</a:t>
+            </a:r>
+            <a:r>
+              <a:rPr lang="en-US" altLang="zh-TW" sz="1400" dirty="0" err="1"/>
+              <a:t>js</a:t>
+            </a:r>
+            <a:r>
+              <a:rPr lang="en-US" altLang="zh-TW" sz="1400" dirty="0"/>
+              <a:t>/backbone.js"&gt;&lt;/script&gt;</a:t>
+            </a:r>
+          </a:p>
+          <a:p>
+            <a:r>
+              <a:rPr lang="en-US" altLang="zh-TW" sz="1400" dirty="0" smtClean="0"/>
+              <a:t>&lt;</a:t>
+            </a:r>
+            <a:r>
+              <a:rPr lang="en-US" altLang="zh-TW" sz="1400" dirty="0"/>
               <a:t>script </a:t>
             </a:r>
             <a:r>
-              <a:rPr lang="en-US" altLang="zh-TW" dirty="0" err="1"/>
+              <a:rPr lang="en-US" altLang="zh-TW" sz="1400" dirty="0" err="1"/>
               <a:t>src</a:t>
             </a:r>
             <a:r>
-              <a:rPr lang="en-US" altLang="zh-TW" dirty="0"/>
+              <a:rPr lang="en-US" altLang="zh-TW" sz="1400" dirty="0"/>
               <a:t>="</a:t>
             </a:r>
             <a:r>
-              <a:rPr lang="en-US" altLang="zh-TW" dirty="0" smtClean="0"/>
-              <a:t>backbone.localstorage.js</a:t>
-            </a:r>
-            <a:r>
-              <a:rPr lang="en-US" altLang="zh-TW" dirty="0"/>
-              <a:t>"&gt;&lt;/script&gt;</a:t>
-            </a:r>
-          </a:p>
-          <a:p>
-            <a:r>
-              <a:rPr lang="en-US" altLang="zh-TW" dirty="0"/>
-              <a:t> &lt;script</a:t>
-            </a:r>
-            <a:r>
-              <a:rPr lang="en-US" altLang="zh-TW" dirty="0" smtClean="0"/>
+              <a:rPr lang="en-US" altLang="zh-TW" sz="1400" dirty="0" err="1"/>
+              <a:t>js</a:t>
+            </a:r>
+            <a:r>
+              <a:rPr lang="en-US" altLang="zh-TW" sz="1400" dirty="0"/>
+              <a:t>/backbone.localstorage.js"&gt;&lt;/script&gt;</a:t>
+            </a:r>
+          </a:p>
+          <a:p>
+            <a:r>
+              <a:rPr lang="en-US" altLang="zh-TW" sz="1400" dirty="0"/>
+              <a:t>&lt;script </a:t>
+            </a:r>
+            <a:r>
+              <a:rPr lang="en-US" altLang="zh-TW" sz="1400" dirty="0" err="1"/>
+              <a:t>src</a:t>
+            </a:r>
+            <a:r>
+              <a:rPr lang="en-US" altLang="zh-TW" sz="1400" dirty="0"/>
+              <a:t>="</a:t>
+            </a:r>
+            <a:r>
+              <a:rPr lang="en-US" altLang="zh-TW" sz="1400" dirty="0" err="1"/>
+              <a:t>js</a:t>
+            </a:r>
+            <a:r>
+              <a:rPr lang="en-US" altLang="zh-TW" sz="1400" dirty="0"/>
+              <a:t>/app.js"&gt;&lt;/script</a:t>
+            </a:r>
+            <a:r>
+              <a:rPr lang="en-US" altLang="zh-TW" sz="1400" dirty="0" smtClean="0"/>
               <a:t>&gt;</a:t>
             </a:r>
           </a:p>
           <a:p>
-            <a:r>
-              <a:rPr lang="en-US" altLang="zh-TW" dirty="0" smtClean="0"/>
-              <a:t>…</a:t>
-            </a:r>
-            <a:endParaRPr lang="en-US" altLang="zh-TW" dirty="0"/>
-          </a:p>
-          <a:p>
-            <a:r>
-              <a:rPr lang="en-US" altLang="zh-TW" dirty="0" smtClean="0"/>
-              <a:t>&lt;/</a:t>
-            </a:r>
-            <a:r>
-              <a:rPr lang="en-US" altLang="zh-TW" dirty="0"/>
-              <a:t>script&gt;</a:t>
-            </a:r>
-            <a:endParaRPr lang="en-US" altLang="zh-TW" dirty="0" smtClean="0"/>
-          </a:p>
-          <a:p>
-            <a:endParaRPr lang="en-US" altLang="zh-TW" dirty="0"/>
-          </a:p>
-          <a:p>
-            <a:r>
-              <a:rPr lang="en-US" altLang="zh-TW" dirty="0"/>
+            <a:endParaRPr lang="en-US" altLang="zh-TW" sz="1400" dirty="0"/>
+          </a:p>
+          <a:p>
+            <a:r>
+              <a:rPr lang="en-US" altLang="zh-TW" sz="1400" dirty="0"/>
               <a:t>&lt;/body&gt;</a:t>
             </a:r>
           </a:p>
           <a:p>
             <a:r>
-              <a:rPr lang="en-US" altLang="zh-TW" dirty="0"/>
+              <a:rPr lang="en-US" altLang="zh-TW" sz="1400" dirty="0"/>
               <a:t>&lt;/html&gt;</a:t>
             </a:r>
-            <a:endParaRPr lang="zh-TW" altLang="en-US" dirty="0"/>
+            <a:endParaRPr lang="zh-TW" altLang="en-US" sz="1400" dirty="0"/>
           </a:p>
         </p:txBody>
       </p:sp>
@@ -4045,15 +5207,7 @@
           <a:p>
             <a:r>
               <a:rPr lang="en-US" altLang="zh-TW" dirty="0" smtClean="0"/>
-              <a:t>Router (</a:t>
-            </a:r>
-            <a:r>
-              <a:rPr lang="en-US" altLang="zh-TW" dirty="0" err="1" smtClean="0"/>
-              <a:t>js</a:t>
-            </a:r>
-            <a:r>
-              <a:rPr lang="en-US" altLang="zh-TW" dirty="0" smtClean="0"/>
-              <a:t>/app.js)</a:t>
+              <a:t>Router</a:t>
             </a:r>
             <a:endParaRPr lang="zh-TW" altLang="en-US" dirty="0"/>
           </a:p>
@@ -4061,19 +5215,163 @@
       </p:sp>
       <p:sp>
         <p:nvSpPr>
-          <p:cNvPr id="3" name="內容版面配置區 2"/>
-          <p:cNvSpPr>
-            <a:spLocks noGrp="1"/>
-          </p:cNvSpPr>
-          <p:nvPr>
-            <p:ph idx="1"/>
-          </p:nvPr>
-        </p:nvSpPr>
-        <p:spPr/>
-        <p:txBody>
-          <a:bodyPr/>
-          <a:lstStyle/>
-          <a:p>
+          <p:cNvPr id="4" name="矩形 3"/>
+          <p:cNvSpPr/>
+          <p:nvPr/>
+        </p:nvSpPr>
+        <p:spPr>
+          <a:xfrm>
+            <a:off x="2123728" y="1772816"/>
+            <a:ext cx="4572000" cy="4524315"/>
+          </a:xfrm>
+          <a:prstGeom prst="rect">
+            <a:avLst/>
+          </a:prstGeom>
+        </p:spPr>
+        <p:txBody>
+          <a:bodyPr>
+            <a:spAutoFit/>
+          </a:bodyPr>
+          <a:lstStyle/>
+          <a:p>
+            <a:r>
+              <a:rPr lang="en-US" altLang="zh-TW" dirty="0" err="1"/>
+              <a:t>var</a:t>
+            </a:r>
+            <a:r>
+              <a:rPr lang="en-US" altLang="zh-TW" dirty="0"/>
+              <a:t> App = </a:t>
+            </a:r>
+            <a:r>
+              <a:rPr lang="en-US" altLang="zh-TW" dirty="0" err="1"/>
+              <a:t>Backbone.Router.extend</a:t>
+            </a:r>
+            <a:r>
+              <a:rPr lang="en-US" altLang="zh-TW" dirty="0"/>
+              <a:t>({</a:t>
+            </a:r>
+          </a:p>
+          <a:p>
+            <a:r>
+              <a:rPr lang="en-US" altLang="zh-TW" dirty="0"/>
+              <a:t>    routes: {</a:t>
+            </a:r>
+          </a:p>
+          <a:p>
+            <a:r>
+              <a:rPr lang="en-US" altLang="zh-TW" dirty="0"/>
+              <a:t>        '': 'home',</a:t>
+            </a:r>
+          </a:p>
+          <a:p>
+            <a:r>
+              <a:rPr lang="en-US" altLang="zh-TW" dirty="0"/>
+              <a:t>        'add' : '</a:t>
+            </a:r>
+            <a:r>
+              <a:rPr lang="en-US" altLang="zh-TW" dirty="0" err="1"/>
+              <a:t>addState</a:t>
+            </a:r>
+            <a:r>
+              <a:rPr lang="en-US" altLang="zh-TW" dirty="0"/>
+              <a:t>',</a:t>
+            </a:r>
+          </a:p>
+          <a:p>
+            <a:r>
+              <a:rPr lang="en-US" altLang="zh-TW" dirty="0"/>
+              <a:t>        'edit/:name' : '</a:t>
+            </a:r>
+            <a:r>
+              <a:rPr lang="en-US" altLang="zh-TW" dirty="0" err="1"/>
+              <a:t>editState</a:t>
+            </a:r>
+            <a:r>
+              <a:rPr lang="en-US" altLang="zh-TW" dirty="0"/>
+              <a:t>'</a:t>
+            </a:r>
+          </a:p>
+          <a:p>
+            <a:r>
+              <a:rPr lang="en-US" altLang="zh-TW" dirty="0"/>
+              <a:t>    },</a:t>
+            </a:r>
+          </a:p>
+          <a:p>
+            <a:r>
+              <a:rPr lang="en-US" altLang="zh-TW" dirty="0"/>
+              <a:t>    home: function(){</a:t>
+            </a:r>
+          </a:p>
+          <a:p>
+            <a:r>
+              <a:rPr lang="en-US" altLang="zh-TW" dirty="0"/>
+              <a:t>        console.log('home');</a:t>
+            </a:r>
+          </a:p>
+          <a:p>
+            <a:r>
+              <a:rPr lang="en-US" altLang="zh-TW" dirty="0"/>
+              <a:t>    },</a:t>
+            </a:r>
+          </a:p>
+          <a:p>
+            <a:r>
+              <a:rPr lang="en-US" altLang="zh-TW" dirty="0"/>
+              <a:t>    </a:t>
+            </a:r>
+            <a:r>
+              <a:rPr lang="en-US" altLang="zh-TW" dirty="0" err="1"/>
+              <a:t>addState</a:t>
+            </a:r>
+            <a:r>
+              <a:rPr lang="en-US" altLang="zh-TW" dirty="0"/>
+              <a:t>: function(){</a:t>
+            </a:r>
+          </a:p>
+          <a:p>
+            <a:r>
+              <a:rPr lang="en-US" altLang="zh-TW" dirty="0"/>
+              <a:t>        console.log('add');</a:t>
+            </a:r>
+          </a:p>
+          <a:p>
+            <a:r>
+              <a:rPr lang="en-US" altLang="zh-TW" dirty="0"/>
+              <a:t>    }, </a:t>
+            </a:r>
+          </a:p>
+          <a:p>
+            <a:r>
+              <a:rPr lang="en-US" altLang="zh-TW" dirty="0"/>
+              <a:t>    </a:t>
+            </a:r>
+            <a:r>
+              <a:rPr lang="en-US" altLang="zh-TW" dirty="0" err="1"/>
+              <a:t>editState</a:t>
+            </a:r>
+            <a:r>
+              <a:rPr lang="en-US" altLang="zh-TW" dirty="0"/>
+              <a:t>: function(id){</a:t>
+            </a:r>
+          </a:p>
+          <a:p>
+            <a:r>
+              <a:rPr lang="en-US" altLang="zh-TW" dirty="0"/>
+              <a:t>         console.log('edit ' + id);</a:t>
+            </a:r>
+          </a:p>
+          <a:p>
+            <a:r>
+              <a:rPr lang="en-US" altLang="zh-TW" dirty="0"/>
+              <a:t>    }</a:t>
+            </a:r>
+          </a:p>
+          <a:p>
+            <a:r>
+              <a:rPr lang="en-US" altLang="zh-TW" dirty="0"/>
+              <a:t>});</a:t>
+            </a:r>
             <a:endParaRPr lang="zh-TW" altLang="en-US" dirty="0"/>
           </a:p>
         </p:txBody>
@@ -4081,7 +5379,7 @@
     </p:spTree>
     <p:extLst>
       <p:ext uri="{BB962C8B-B14F-4D97-AF65-F5344CB8AC3E}">
-        <p14:creationId xmlns:p14="http://schemas.microsoft.com/office/powerpoint/2010/main" val="1530020620"/>
+        <p14:creationId xmlns:p14="http://schemas.microsoft.com/office/powerpoint/2010/main" val="4058625343"/>
       </p:ext>
     </p:extLst>
   </p:cSld>
@@ -4123,25 +5421,311 @@
           <a:bodyPr/>
           <a:lstStyle/>
           <a:p>
-            <a:endParaRPr lang="zh-TW" altLang="en-US"/>
-          </a:p>
-        </p:txBody>
-      </p:sp>
-      <p:sp>
-        <p:nvSpPr>
-          <p:cNvPr id="3" name="內容版面配置區 2"/>
-          <p:cNvSpPr>
-            <a:spLocks noGrp="1"/>
-          </p:cNvSpPr>
-          <p:nvPr>
-            <p:ph idx="1"/>
-          </p:nvPr>
-        </p:nvSpPr>
-        <p:spPr/>
-        <p:txBody>
-          <a:bodyPr/>
-          <a:lstStyle/>
-          <a:p>
+            <a:r>
+              <a:rPr lang="en-US" altLang="zh-TW" dirty="0" smtClean="0"/>
+              <a:t>View</a:t>
+            </a:r>
+            <a:endParaRPr lang="zh-TW" altLang="en-US" dirty="0"/>
+          </a:p>
+        </p:txBody>
+      </p:sp>
+      <p:sp>
+        <p:nvSpPr>
+          <p:cNvPr id="4" name="矩形 3"/>
+          <p:cNvSpPr/>
+          <p:nvPr/>
+        </p:nvSpPr>
+        <p:spPr>
+          <a:xfrm>
+            <a:off x="1907704" y="2348880"/>
+            <a:ext cx="5328592" cy="3240360"/>
+          </a:xfrm>
+          <a:prstGeom prst="rect">
+            <a:avLst/>
+          </a:prstGeom>
+        </p:spPr>
+        <p:txBody>
+          <a:bodyPr wrap="square">
+            <a:spAutoFit/>
+          </a:bodyPr>
+          <a:lstStyle/>
+          <a:p>
+            <a:r>
+              <a:rPr lang="en-US" altLang="zh-TW" dirty="0" err="1"/>
+              <a:t>var</a:t>
+            </a:r>
+            <a:r>
+              <a:rPr lang="en-US" altLang="zh-TW" dirty="0"/>
+              <a:t> </a:t>
+            </a:r>
+            <a:r>
+              <a:rPr lang="en-US" altLang="zh-TW" dirty="0" err="1"/>
+              <a:t>TableView</a:t>
+            </a:r>
+            <a:r>
+              <a:rPr lang="en-US" altLang="zh-TW" dirty="0"/>
+              <a:t> = </a:t>
+            </a:r>
+            <a:r>
+              <a:rPr lang="en-US" altLang="zh-TW" dirty="0" err="1"/>
+              <a:t>Backbone.View.extend</a:t>
+            </a:r>
+            <a:r>
+              <a:rPr lang="en-US" altLang="zh-TW" dirty="0"/>
+              <a:t>({</a:t>
+            </a:r>
+          </a:p>
+          <a:p>
+            <a:r>
+              <a:rPr lang="en-US" altLang="zh-TW" dirty="0"/>
+              <a:t> </a:t>
+            </a:r>
+            <a:r>
+              <a:rPr lang="en-US" altLang="zh-TW" dirty="0" smtClean="0"/>
+              <a:t>template</a:t>
+            </a:r>
+            <a:r>
+              <a:rPr lang="en-US" altLang="zh-TW" dirty="0"/>
+              <a:t>: _.template</a:t>
+            </a:r>
+            <a:r>
+              <a:rPr lang="en-US" altLang="zh-TW" dirty="0" smtClean="0"/>
+              <a:t>($("#View-template</a:t>
+            </a:r>
+            <a:r>
+              <a:rPr lang="en-US" altLang="zh-TW" dirty="0"/>
+              <a:t>").html()),</a:t>
+            </a:r>
+          </a:p>
+          <a:p>
+            <a:r>
+              <a:rPr lang="en-US" altLang="zh-TW" dirty="0"/>
+              <a:t> </a:t>
+            </a:r>
+            <a:r>
+              <a:rPr lang="en-US" altLang="zh-TW" dirty="0" smtClean="0"/>
+              <a:t>render</a:t>
+            </a:r>
+            <a:r>
+              <a:rPr lang="en-US" altLang="zh-TW" dirty="0"/>
+              <a:t>: function</a:t>
+            </a:r>
+            <a:r>
+              <a:rPr lang="en-US" altLang="zh-TW" dirty="0" smtClean="0"/>
+              <a:t>(){</a:t>
+            </a:r>
+          </a:p>
+          <a:p>
+            <a:r>
+              <a:rPr lang="en-US" altLang="zh-TW" dirty="0" smtClean="0"/>
+              <a:t>    this</a:t>
+            </a:r>
+            <a:r>
+              <a:rPr lang="en-US" altLang="zh-TW" dirty="0"/>
+              <a:t>.$</a:t>
+            </a:r>
+            <a:r>
+              <a:rPr lang="en-US" altLang="zh-TW" dirty="0" smtClean="0"/>
+              <a:t>el.html(</a:t>
+            </a:r>
+            <a:r>
+              <a:rPr lang="en-US" altLang="zh-TW" dirty="0" err="1" smtClean="0"/>
+              <a:t>this.template</a:t>
+            </a:r>
+            <a:r>
+              <a:rPr lang="en-US" altLang="zh-TW" dirty="0" smtClean="0"/>
+              <a:t>(</a:t>
+            </a:r>
+            <a:r>
+              <a:rPr lang="en-US" altLang="zh-TW" dirty="0" err="1" smtClean="0"/>
+              <a:t>this.model.toJSON</a:t>
+            </a:r>
+            <a:r>
+              <a:rPr lang="en-US" altLang="zh-TW" dirty="0" smtClean="0"/>
+              <a:t>()));</a:t>
+            </a:r>
+            <a:endParaRPr lang="en-US" altLang="zh-TW" dirty="0"/>
+          </a:p>
+          <a:p>
+            <a:r>
+              <a:rPr lang="en-US" altLang="zh-TW" dirty="0"/>
+              <a:t>    return this</a:t>
+            </a:r>
+            <a:r>
+              <a:rPr lang="en-US" altLang="zh-TW" dirty="0" smtClean="0"/>
+              <a:t>;</a:t>
+            </a:r>
+          </a:p>
+          <a:p>
+            <a:r>
+              <a:rPr lang="en-US" altLang="zh-TW" dirty="0"/>
+              <a:t>  </a:t>
+            </a:r>
+            <a:r>
+              <a:rPr lang="en-US" altLang="zh-TW" dirty="0" smtClean="0"/>
+              <a:t>},</a:t>
+            </a:r>
+          </a:p>
+          <a:p>
+            <a:r>
+              <a:rPr lang="en-US" altLang="zh-TW" dirty="0" smtClean="0"/>
+              <a:t> </a:t>
+            </a:r>
+            <a:r>
+              <a:rPr lang="en-US" altLang="zh-TW" dirty="0"/>
+              <a:t>events: {</a:t>
+            </a:r>
+          </a:p>
+          <a:p>
+            <a:r>
+              <a:rPr lang="en-US" altLang="zh-TW" dirty="0"/>
+              <a:t>    'click #</a:t>
+            </a:r>
+            <a:r>
+              <a:rPr lang="en-US" altLang="zh-TW" dirty="0" err="1"/>
+              <a:t>submitBtn</a:t>
+            </a:r>
+            <a:r>
+              <a:rPr lang="en-US" altLang="zh-TW" dirty="0"/>
+              <a:t>': </a:t>
+            </a:r>
+            <a:r>
+              <a:rPr lang="en-US" altLang="zh-TW" dirty="0" smtClean="0"/>
+              <a:t>‘</a:t>
+            </a:r>
+            <a:r>
+              <a:rPr lang="en-US" altLang="zh-TW" dirty="0" err="1" smtClean="0"/>
+              <a:t>doSomething</a:t>
+            </a:r>
+            <a:r>
+              <a:rPr lang="en-US" altLang="zh-TW" dirty="0" smtClean="0"/>
+              <a:t>'</a:t>
+            </a:r>
+            <a:endParaRPr lang="en-US" altLang="zh-TW" dirty="0"/>
+          </a:p>
+          <a:p>
+            <a:r>
+              <a:rPr lang="en-US" altLang="zh-TW" dirty="0"/>
+              <a:t>  }, </a:t>
+            </a:r>
+          </a:p>
+          <a:p>
+            <a:r>
+              <a:rPr lang="en-US" altLang="zh-TW" dirty="0" smtClean="0"/>
+              <a:t>  </a:t>
+            </a:r>
+            <a:r>
+              <a:rPr lang="en-US" altLang="zh-TW" dirty="0" err="1"/>
+              <a:t>doSomething</a:t>
+            </a:r>
+            <a:r>
+              <a:rPr lang="en-US" altLang="zh-TW" dirty="0"/>
+              <a:t> </a:t>
+            </a:r>
+            <a:r>
+              <a:rPr lang="en-US" altLang="zh-TW" dirty="0" smtClean="0"/>
+              <a:t>: </a:t>
+            </a:r>
+            <a:r>
+              <a:rPr lang="en-US" altLang="zh-TW" dirty="0"/>
+              <a:t>function(e</a:t>
+            </a:r>
+            <a:r>
+              <a:rPr lang="en-US" altLang="zh-TW" dirty="0" smtClean="0"/>
+              <a:t>){ … }</a:t>
+            </a:r>
+            <a:endParaRPr lang="en-US" altLang="zh-TW" dirty="0"/>
+          </a:p>
+          <a:p>
+            <a:r>
+              <a:rPr lang="en-US" altLang="zh-TW" dirty="0"/>
+              <a:t>});</a:t>
+            </a:r>
+            <a:endParaRPr lang="zh-TW" altLang="en-US" dirty="0"/>
+          </a:p>
+        </p:txBody>
+      </p:sp>
+      <p:sp>
+        <p:nvSpPr>
+          <p:cNvPr id="5" name="文字方塊 4"/>
+          <p:cNvSpPr txBox="1"/>
+          <p:nvPr/>
+        </p:nvSpPr>
+        <p:spPr>
+          <a:xfrm>
+            <a:off x="467544" y="1703543"/>
+            <a:ext cx="1800200" cy="369332"/>
+          </a:xfrm>
+          <a:prstGeom prst="rect">
+            <a:avLst/>
+          </a:prstGeom>
+        </p:spPr>
+        <p:style>
+          <a:lnRef idx="2">
+            <a:schemeClr val="accent1"/>
+          </a:lnRef>
+          <a:fillRef idx="1">
+            <a:schemeClr val="lt1"/>
+          </a:fillRef>
+          <a:effectRef idx="0">
+            <a:schemeClr val="accent1"/>
+          </a:effectRef>
+          <a:fontRef idx="minor">
+            <a:schemeClr val="dk1"/>
+          </a:fontRef>
+        </p:style>
+        <p:txBody>
+          <a:bodyPr wrap="square" rtlCol="0">
+            <a:spAutoFit/>
+          </a:bodyPr>
+          <a:lstStyle/>
+          <a:p>
+            <a:r>
+              <a:rPr lang="en-US" altLang="zh-TW" dirty="0" smtClean="0"/>
+              <a:t>$(“&lt;div&gt;&lt;/div&gt;”)</a:t>
+            </a:r>
+            <a:endParaRPr lang="zh-TW" altLang="en-US" dirty="0"/>
+          </a:p>
+        </p:txBody>
+      </p:sp>
+      <p:sp>
+        <p:nvSpPr>
+          <p:cNvPr id="7" name="弧形 6"/>
+          <p:cNvSpPr/>
+          <p:nvPr/>
+        </p:nvSpPr>
+        <p:spPr>
+          <a:xfrm rot="11150447">
+            <a:off x="1525592" y="1024043"/>
+            <a:ext cx="2335762" cy="2364253"/>
+          </a:xfrm>
+          <a:prstGeom prst="arc">
+            <a:avLst/>
+          </a:prstGeom>
+          <a:ln>
+            <a:headEnd type="arrow" w="med" len="med"/>
+            <a:tailEnd type="arrow" w="med" len="med"/>
+          </a:ln>
+        </p:spPr>
+        <p:style>
+          <a:lnRef idx="1">
+            <a:schemeClr val="accent1"/>
+          </a:lnRef>
+          <a:fillRef idx="0">
+            <a:schemeClr val="accent1"/>
+          </a:fillRef>
+          <a:effectRef idx="0">
+            <a:schemeClr val="accent1"/>
+          </a:effectRef>
+          <a:fontRef idx="minor">
+            <a:schemeClr val="tx1"/>
+          </a:fontRef>
+        </p:style>
+        <p:txBody>
+          <a:bodyPr rtlCol="0" anchor="ctr"/>
+          <a:lstStyle/>
+          <a:p>
+            <a:pPr algn="ctr"/>
             <a:endParaRPr lang="zh-TW" altLang="en-US"/>
           </a:p>
         </p:txBody>
@@ -4149,7 +5733,7 @@
     </p:spTree>
     <p:extLst>
       <p:ext uri="{BB962C8B-B14F-4D97-AF65-F5344CB8AC3E}">
-        <p14:creationId xmlns:p14="http://schemas.microsoft.com/office/powerpoint/2010/main" val="2428472142"/>
+        <p14:creationId xmlns:p14="http://schemas.microsoft.com/office/powerpoint/2010/main" val="3956058983"/>
       </p:ext>
     </p:extLst>
   </p:cSld>

--- a/trunk/pages/backbone/新增 Microsoft PowerPoint 簡報.pptx
+++ b/trunk/pages/backbone/新增 Microsoft PowerPoint 簡報.pptx
@@ -17,6 +17,7 @@
     <p:sldId id="265" r:id="rId11"/>
     <p:sldId id="266" r:id="rId12"/>
     <p:sldId id="267" r:id="rId13"/>
+    <p:sldId id="268" r:id="rId14"/>
   </p:sldIdLst>
   <p:sldSz cx="9144000" cy="6858000" type="screen4x3"/>
   <p:notesSz cx="6858000" cy="9144000"/>
@@ -3457,6 +3458,157 @@
 </p:sld>
 </file>
 
+<file path=ppt/slides/slide13.xml><?xml version="1.0" encoding="utf-8"?>
+<p:sld xmlns:a="http://schemas.openxmlformats.org/drawingml/2006/main" xmlns:r="http://schemas.openxmlformats.org/officeDocument/2006/relationships" xmlns:p="http://schemas.openxmlformats.org/presentationml/2006/main">
+  <p:cSld>
+    <p:spTree>
+      <p:nvGrpSpPr>
+        <p:cNvPr id="1" name=""/>
+        <p:cNvGrpSpPr/>
+        <p:nvPr/>
+      </p:nvGrpSpPr>
+      <p:grpSpPr>
+        <a:xfrm>
+          <a:off x="0" y="0"/>
+          <a:ext cx="0" cy="0"/>
+          <a:chOff x="0" y="0"/>
+          <a:chExt cx="0" cy="0"/>
+        </a:xfrm>
+      </p:grpSpPr>
+      <p:sp>
+        <p:nvSpPr>
+          <p:cNvPr id="2" name="標題 1"/>
+          <p:cNvSpPr>
+            <a:spLocks noGrp="1"/>
+          </p:cNvSpPr>
+          <p:nvPr>
+            <p:ph type="title"/>
+          </p:nvPr>
+        </p:nvSpPr>
+        <p:spPr/>
+        <p:txBody>
+          <a:bodyPr/>
+          <a:lstStyle/>
+          <a:p>
+            <a:r>
+              <a:rPr lang="zh-TW" altLang="en-US" dirty="0" smtClean="0"/>
+              <a:t>優點</a:t>
+            </a:r>
+            <a:endParaRPr lang="zh-TW" altLang="en-US" dirty="0"/>
+          </a:p>
+        </p:txBody>
+      </p:sp>
+      <p:sp>
+        <p:nvSpPr>
+          <p:cNvPr id="3" name="內容版面配置區 2"/>
+          <p:cNvSpPr>
+            <a:spLocks noGrp="1"/>
+          </p:cNvSpPr>
+          <p:nvPr>
+            <p:ph idx="1"/>
+          </p:nvPr>
+        </p:nvSpPr>
+        <p:spPr/>
+        <p:txBody>
+          <a:bodyPr/>
+          <a:lstStyle/>
+          <a:p>
+            <a:r>
+              <a:rPr lang="en-US" altLang="zh-TW" dirty="0" smtClean="0"/>
+              <a:t>View </a:t>
+            </a:r>
+            <a:r>
+              <a:rPr lang="zh-TW" altLang="en-US" dirty="0" smtClean="0"/>
+              <a:t>的切換，支援</a:t>
+            </a:r>
+            <a:r>
+              <a:rPr lang="en-US" altLang="zh-TW" dirty="0" smtClean="0"/>
+              <a:t>”</a:t>
+            </a:r>
+            <a:r>
+              <a:rPr lang="zh-TW" altLang="en-US" dirty="0" smtClean="0"/>
+              <a:t>上一頁</a:t>
+            </a:r>
+            <a:r>
+              <a:rPr lang="en-US" altLang="zh-TW" dirty="0" smtClean="0"/>
+              <a:t>”</a:t>
+            </a:r>
+            <a:endParaRPr lang="en-US" altLang="zh-TW" dirty="0"/>
+          </a:p>
+          <a:p>
+            <a:r>
+              <a:rPr lang="en-US" altLang="zh-TW" dirty="0" smtClean="0"/>
+              <a:t>Model</a:t>
+            </a:r>
+            <a:r>
+              <a:rPr lang="zh-TW" altLang="en-US" dirty="0" smtClean="0"/>
+              <a:t>的操作與驗證方便</a:t>
+            </a:r>
+            <a:endParaRPr lang="en-US" altLang="zh-TW" dirty="0" smtClean="0"/>
+          </a:p>
+          <a:p>
+            <a:r>
+              <a:rPr lang="zh-TW" altLang="en-US" dirty="0" smtClean="0"/>
+              <a:t>使用</a:t>
+            </a:r>
+            <a:r>
+              <a:rPr lang="en-US" altLang="zh-TW" dirty="0" err="1" smtClean="0"/>
+              <a:t>localstorage</a:t>
+            </a:r>
+            <a:r>
+              <a:rPr lang="zh-TW" altLang="en-US" dirty="0" smtClean="0"/>
+              <a:t>方便前端開發與測試</a:t>
+            </a:r>
+            <a:endParaRPr lang="en-US" altLang="zh-TW" dirty="0" smtClean="0"/>
+          </a:p>
+          <a:p>
+            <a:r>
+              <a:rPr lang="zh-TW" altLang="en-US" dirty="0" smtClean="0"/>
+              <a:t>使用</a:t>
+            </a:r>
+            <a:r>
+              <a:rPr lang="en-US" altLang="zh-TW" dirty="0" smtClean="0"/>
+              <a:t>template</a:t>
+            </a:r>
+            <a:r>
+              <a:rPr lang="zh-TW" altLang="en-US" dirty="0" smtClean="0"/>
+              <a:t>生成</a:t>
+            </a:r>
+            <a:r>
+              <a:rPr lang="en-US" altLang="zh-TW" dirty="0" smtClean="0"/>
+              <a:t>Dom Tree</a:t>
+            </a:r>
+            <a:r>
+              <a:rPr lang="zh-TW" altLang="en-US" dirty="0" smtClean="0"/>
+              <a:t>簡單快</a:t>
+            </a:r>
+            <a:r>
+              <a:rPr lang="zh-TW" altLang="en-US" dirty="0"/>
+              <a:t>速</a:t>
+            </a:r>
+            <a:endParaRPr lang="en-US" altLang="zh-TW" dirty="0" smtClean="0"/>
+          </a:p>
+          <a:p>
+            <a:endParaRPr lang="en-US" altLang="zh-TW" dirty="0" smtClean="0"/>
+          </a:p>
+          <a:p>
+            <a:endParaRPr lang="zh-TW" altLang="en-US" dirty="0"/>
+          </a:p>
+        </p:txBody>
+      </p:sp>
+    </p:spTree>
+    <p:extLst>
+      <p:ext uri="{BB962C8B-B14F-4D97-AF65-F5344CB8AC3E}">
+        <p14:creationId xmlns:p14="http://schemas.microsoft.com/office/powerpoint/2010/main" val="3009102341"/>
+      </p:ext>
+    </p:extLst>
+  </p:cSld>
+  <p:clrMapOvr>
+    <a:masterClrMapping/>
+  </p:clrMapOvr>
+</p:sld>
+</file>
+
 <file path=ppt/slides/slide2.xml><?xml version="1.0" encoding="utf-8"?>
 <p:sld xmlns:a="http://schemas.openxmlformats.org/drawingml/2006/main" xmlns:r="http://schemas.openxmlformats.org/officeDocument/2006/relationships" xmlns:p="http://schemas.openxmlformats.org/presentationml/2006/main">
   <p:cSld>
@@ -3569,7 +3721,7 @@
         </p:blipFill>
         <p:spPr bwMode="auto">
           <a:xfrm>
-            <a:off x="2699792" y="3140968"/>
+            <a:off x="2696324" y="3356992"/>
             <a:ext cx="4325123" cy="2736304"/>
           </a:xfrm>
           <a:prstGeom prst="rect">
@@ -3632,7 +3784,15 @@
           <a:bodyPr/>
           <a:lstStyle/>
           <a:p>
-            <a:endParaRPr lang="zh-TW" altLang="en-US"/>
+            <a:r>
+              <a:rPr lang="zh-TW" altLang="en-US" dirty="0" smtClean="0"/>
+              <a:t>特</a:t>
+            </a:r>
+            <a:r>
+              <a:rPr lang="zh-TW" altLang="en-US" dirty="0"/>
+              <a:t>色</a:t>
+            </a:r>
+            <a:endParaRPr lang="zh-TW" altLang="en-US" dirty="0"/>
           </a:p>
         </p:txBody>
       </p:sp>

--- a/trunk/pages/backbone/新增 Microsoft PowerPoint 簡報.pptx
+++ b/trunk/pages/backbone/新增 Microsoft PowerPoint 簡報.pptx
@@ -300,7 +300,7 @@
           <a:p>
             <a:fld id="{5BBEAD13-0566-4C6C-97E7-55F17F24B09F}" type="datetimeFigureOut">
               <a:rPr lang="zh-TW" altLang="en-US" smtClean="0"/>
-              <a:t>2012/5/22</a:t>
+              <a:t>2012/5/23</a:t>
             </a:fld>
             <a:endParaRPr lang="zh-TW" altLang="en-US"/>
           </a:p>
@@ -465,7 +465,7 @@
           <a:p>
             <a:fld id="{5BBEAD13-0566-4C6C-97E7-55F17F24B09F}" type="datetimeFigureOut">
               <a:rPr lang="zh-TW" altLang="en-US" smtClean="0"/>
-              <a:t>2012/5/22</a:t>
+              <a:t>2012/5/23</a:t>
             </a:fld>
             <a:endParaRPr lang="zh-TW" altLang="en-US"/>
           </a:p>
@@ -640,7 +640,7 @@
           <a:p>
             <a:fld id="{5BBEAD13-0566-4C6C-97E7-55F17F24B09F}" type="datetimeFigureOut">
               <a:rPr lang="zh-TW" altLang="en-US" smtClean="0"/>
-              <a:t>2012/5/22</a:t>
+              <a:t>2012/5/23</a:t>
             </a:fld>
             <a:endParaRPr lang="zh-TW" altLang="en-US"/>
           </a:p>
@@ -805,7 +805,7 @@
           <a:p>
             <a:fld id="{5BBEAD13-0566-4C6C-97E7-55F17F24B09F}" type="datetimeFigureOut">
               <a:rPr lang="zh-TW" altLang="en-US" smtClean="0"/>
-              <a:t>2012/5/22</a:t>
+              <a:t>2012/5/23</a:t>
             </a:fld>
             <a:endParaRPr lang="zh-TW" altLang="en-US"/>
           </a:p>
@@ -1046,7 +1046,7 @@
           <a:p>
             <a:fld id="{5BBEAD13-0566-4C6C-97E7-55F17F24B09F}" type="datetimeFigureOut">
               <a:rPr lang="zh-TW" altLang="en-US" smtClean="0"/>
-              <a:t>2012/5/22</a:t>
+              <a:t>2012/5/23</a:t>
             </a:fld>
             <a:endParaRPr lang="zh-TW" altLang="en-US"/>
           </a:p>
@@ -1329,7 +1329,7 @@
           <a:p>
             <a:fld id="{5BBEAD13-0566-4C6C-97E7-55F17F24B09F}" type="datetimeFigureOut">
               <a:rPr lang="zh-TW" altLang="en-US" smtClean="0"/>
-              <a:t>2012/5/22</a:t>
+              <a:t>2012/5/23</a:t>
             </a:fld>
             <a:endParaRPr lang="zh-TW" altLang="en-US"/>
           </a:p>
@@ -1746,7 +1746,7 @@
           <a:p>
             <a:fld id="{5BBEAD13-0566-4C6C-97E7-55F17F24B09F}" type="datetimeFigureOut">
               <a:rPr lang="zh-TW" altLang="en-US" smtClean="0"/>
-              <a:t>2012/5/22</a:t>
+              <a:t>2012/5/23</a:t>
             </a:fld>
             <a:endParaRPr lang="zh-TW" altLang="en-US"/>
           </a:p>
@@ -1859,7 +1859,7 @@
           <a:p>
             <a:fld id="{5BBEAD13-0566-4C6C-97E7-55F17F24B09F}" type="datetimeFigureOut">
               <a:rPr lang="zh-TW" altLang="en-US" smtClean="0"/>
-              <a:t>2012/5/22</a:t>
+              <a:t>2012/5/23</a:t>
             </a:fld>
             <a:endParaRPr lang="zh-TW" altLang="en-US"/>
           </a:p>
@@ -1949,7 +1949,7 @@
           <a:p>
             <a:fld id="{5BBEAD13-0566-4C6C-97E7-55F17F24B09F}" type="datetimeFigureOut">
               <a:rPr lang="zh-TW" altLang="en-US" smtClean="0"/>
-              <a:t>2012/5/22</a:t>
+              <a:t>2012/5/23</a:t>
             </a:fld>
             <a:endParaRPr lang="zh-TW" altLang="en-US"/>
           </a:p>
@@ -2221,7 +2221,7 @@
           <a:p>
             <a:fld id="{5BBEAD13-0566-4C6C-97E7-55F17F24B09F}" type="datetimeFigureOut">
               <a:rPr lang="zh-TW" altLang="en-US" smtClean="0"/>
-              <a:t>2012/5/22</a:t>
+              <a:t>2012/5/23</a:t>
             </a:fld>
             <a:endParaRPr lang="zh-TW" altLang="en-US"/>
           </a:p>
@@ -2469,7 +2469,7 @@
           <a:p>
             <a:fld id="{5BBEAD13-0566-4C6C-97E7-55F17F24B09F}" type="datetimeFigureOut">
               <a:rPr lang="zh-TW" altLang="en-US" smtClean="0"/>
-              <a:t>2012/5/22</a:t>
+              <a:t>2012/5/23</a:t>
             </a:fld>
             <a:endParaRPr lang="zh-TW" altLang="en-US"/>
           </a:p>
@@ -2677,7 +2677,7 @@
           <a:p>
             <a:fld id="{5BBEAD13-0566-4C6C-97E7-55F17F24B09F}" type="datetimeFigureOut">
               <a:rPr lang="zh-TW" altLang="en-US" smtClean="0"/>
-              <a:t>2012/5/22</a:t>
+              <a:t>2012/5/23</a:t>
             </a:fld>
             <a:endParaRPr lang="zh-TW" altLang="en-US"/>
           </a:p>
@@ -3792,7 +3792,6 @@
               <a:rPr lang="zh-TW" altLang="en-US" dirty="0"/>
               <a:t>色</a:t>
             </a:r>
-            <a:endParaRPr lang="zh-TW" altLang="en-US" dirty="0"/>
           </a:p>
         </p:txBody>
       </p:sp>
@@ -4502,6 +4501,7 @@
             <a:avLst/>
           </a:prstGeom>
           <a:ln>
+            <a:prstDash val="dash"/>
             <a:tailEnd type="arrow"/>
           </a:ln>
         </p:spPr>
@@ -4672,6 +4672,41 @@
             <a:avLst/>
           </a:prstGeom>
           <a:ln>
+            <a:prstDash val="dash"/>
+            <a:tailEnd type="arrow"/>
+          </a:ln>
+        </p:spPr>
+        <p:style>
+          <a:lnRef idx="1">
+            <a:schemeClr val="accent1"/>
+          </a:lnRef>
+          <a:fillRef idx="0">
+            <a:schemeClr val="accent1"/>
+          </a:fillRef>
+          <a:effectRef idx="0">
+            <a:schemeClr val="accent1"/>
+          </a:effectRef>
+          <a:fontRef idx="minor">
+            <a:schemeClr val="tx1"/>
+          </a:fontRef>
+        </p:style>
+      </p:cxnSp>
+      <p:cxnSp>
+        <p:nvCxnSpPr>
+          <p:cNvPr id="26" name="直線單箭頭接點 25"/>
+          <p:cNvCxnSpPr/>
+          <p:nvPr/>
+        </p:nvCxnSpPr>
+        <p:spPr>
+          <a:xfrm flipV="1">
+            <a:off x="4427984" y="5452152"/>
+            <a:ext cx="234821" cy="425120"/>
+          </a:xfrm>
+          <a:prstGeom prst="straightConnector1">
+            <a:avLst/>
+          </a:prstGeom>
+          <a:ln>
+            <a:prstDash val="dash"/>
             <a:tailEnd type="arrow"/>
           </a:ln>
         </p:spPr>
